--- a/introduction.pptx
+++ b/introduction.pptx
@@ -223,7 +223,7 @@
           <a:p>
             <a:fld id="{22B9693C-A326-BA4F-8207-E39ACD296F47}" type="datetimeFigureOut">
               <a:rPr kumimoji="1" lang="ko-KR" altLang="en-US" smtClean="0"/>
-              <a:t>2019. 11. 20.</a:t>
+              <a:t>2019. 11. 27.</a:t>
             </a:fld>
             <a:endParaRPr kumimoji="1" lang="ko-KR" altLang="en-US"/>
           </a:p>
@@ -401,7 +401,7 @@
           <a:p>
             <a:fld id="{0A0F64C6-8219-F34B-90E9-7C85A5B36FBF}" type="datetimeFigureOut">
               <a:rPr kumimoji="1" lang="ko-KR" altLang="en-US" smtClean="0"/>
-              <a:t>2019. 11. 20.</a:t>
+              <a:t>2019. 11. 27.</a:t>
             </a:fld>
             <a:endParaRPr kumimoji="1" lang="ko-KR" altLang="en-US"/>
           </a:p>
@@ -5840,7 +5840,7 @@
         <p:spPr>
           <a:xfrm>
             <a:off x="550188" y="1089164"/>
-            <a:ext cx="8261405" cy="4708981"/>
+            <a:ext cx="8261405" cy="4616648"/>
           </a:xfrm>
           <a:prstGeom prst="rect">
             <a:avLst/>
@@ -5856,7 +5856,7 @@
           <a:lstStyle/>
           <a:p>
             <a:r>
-              <a:rPr lang="en" altLang="ko-KR" sz="1200" dirty="0">
+              <a:rPr lang="en" altLang="ko-KR" sz="1400" dirty="0">
                 <a:solidFill>
                   <a:srgbClr val="569CD6"/>
                 </a:solidFill>
@@ -5865,7 +5865,7 @@
               <a:t>def</a:t>
             </a:r>
             <a:r>
-              <a:rPr lang="en" altLang="ko-KR" sz="1200" dirty="0">
+              <a:rPr lang="en" altLang="ko-KR" sz="1400" dirty="0">
                 <a:solidFill>
                   <a:srgbClr val="D4D4D4"/>
                 </a:solidFill>
@@ -5874,7 +5874,7 @@
               <a:t> </a:t>
             </a:r>
             <a:r>
-              <a:rPr lang="en" altLang="ko-KR" sz="1200" dirty="0" err="1">
+              <a:rPr lang="en" altLang="ko-KR" sz="1400" dirty="0" err="1">
                 <a:solidFill>
                   <a:srgbClr val="DCDCAA"/>
                 </a:solidFill>
@@ -5883,7 +5883,7 @@
               <a:t>data_loader</a:t>
             </a:r>
             <a:r>
-              <a:rPr lang="en" altLang="ko-KR" sz="1200" dirty="0">
+              <a:rPr lang="en" altLang="ko-KR" sz="1400" dirty="0">
                 <a:solidFill>
                   <a:srgbClr val="D4D4D4"/>
                 </a:solidFill>
@@ -5892,7 +5892,7 @@
               <a:t> (</a:t>
             </a:r>
             <a:r>
-              <a:rPr lang="en" altLang="ko-KR" sz="1200" dirty="0" err="1">
+              <a:rPr lang="en" altLang="ko-KR" sz="1400" dirty="0" err="1">
                 <a:solidFill>
                   <a:srgbClr val="9CDCFE"/>
                 </a:solidFill>
@@ -5901,7 +5901,7 @@
               <a:t>root_path</a:t>
             </a:r>
             <a:r>
-              <a:rPr lang="en" altLang="ko-KR" sz="1200" dirty="0">
+              <a:rPr lang="en" altLang="ko-KR" sz="1400" dirty="0">
                 <a:solidFill>
                   <a:srgbClr val="D4D4D4"/>
                 </a:solidFill>
@@ -5913,7 +5913,7 @@
           <a:p>
             <a:pPr lvl="1"/>
             <a:r>
-              <a:rPr lang="en" altLang="ko-KR" sz="1200" dirty="0">
+              <a:rPr lang="en" altLang="ko-KR" sz="1400" dirty="0">
                 <a:solidFill>
                   <a:srgbClr val="D4D4D4"/>
                 </a:solidFill>
@@ -5922,7 +5922,7 @@
               <a:t>t = </a:t>
             </a:r>
             <a:r>
-              <a:rPr lang="en" altLang="ko-KR" sz="1200" dirty="0" err="1">
+              <a:rPr lang="en" altLang="ko-KR" sz="1400" dirty="0" err="1">
                 <a:solidFill>
                   <a:srgbClr val="D4D4D4"/>
                 </a:solidFill>
@@ -5931,7 +5931,7 @@
               <a:t>time.time</a:t>
             </a:r>
             <a:r>
-              <a:rPr lang="en" altLang="ko-KR" sz="1200" dirty="0">
+              <a:rPr lang="en" altLang="ko-KR" sz="1400" dirty="0">
                 <a:solidFill>
                   <a:srgbClr val="D4D4D4"/>
                 </a:solidFill>
@@ -5943,7 +5943,7 @@
           <a:p>
             <a:pPr lvl="1"/>
             <a:r>
-              <a:rPr lang="en" altLang="ko-KR" sz="1200" dirty="0">
+              <a:rPr lang="en" altLang="ko-KR" sz="1400" dirty="0">
                 <a:solidFill>
                   <a:srgbClr val="569CD6"/>
                 </a:solidFill>
@@ -5952,7 +5952,7 @@
               <a:t>print</a:t>
             </a:r>
             <a:r>
-              <a:rPr lang="en" altLang="ko-KR" sz="1200" dirty="0">
+              <a:rPr lang="en" altLang="ko-KR" sz="1400" dirty="0">
                 <a:solidFill>
                   <a:srgbClr val="D4D4D4"/>
                 </a:solidFill>
@@ -5961,7 +5961,7 @@
               <a:t>(</a:t>
             </a:r>
             <a:r>
-              <a:rPr lang="en" altLang="ko-KR" sz="1200" dirty="0">
+              <a:rPr lang="en" altLang="ko-KR" sz="1400" dirty="0">
                 <a:solidFill>
                   <a:srgbClr val="CE9178"/>
                 </a:solidFill>
@@ -5970,7 +5970,7 @@
               <a:t>'Data loading...'</a:t>
             </a:r>
             <a:r>
-              <a:rPr lang="en" altLang="ko-KR" sz="1200" dirty="0">
+              <a:rPr lang="en" altLang="ko-KR" sz="1400" dirty="0">
                 <a:solidFill>
                   <a:srgbClr val="D4D4D4"/>
                 </a:solidFill>
@@ -5982,25 +5982,16 @@
           <a:p>
             <a:pPr lvl="1"/>
             <a:r>
-              <a:rPr lang="en" altLang="ko-KR" sz="1200" dirty="0" err="1">
-                <a:solidFill>
-                  <a:srgbClr val="D4D4D4"/>
-                </a:solidFill>
-                <a:latin typeface="Menlo" panose="020B0609030804020204" pitchFamily="49" charset="0"/>
-              </a:rPr>
-              <a:t>data_path</a:t>
-            </a:r>
-            <a:r>
-              <a:rPr lang="en" altLang="ko-KR" sz="1200" dirty="0">
-                <a:solidFill>
-                  <a:srgbClr val="D4D4D4"/>
-                </a:solidFill>
-                <a:latin typeface="Menlo" panose="020B0609030804020204" pitchFamily="49" charset="0"/>
-              </a:rPr>
-              <a:t> = [] </a:t>
-            </a:r>
-            <a:r>
-              <a:rPr lang="en" altLang="ko-KR" sz="1200" dirty="0">
+              <a:rPr lang="en" altLang="ko-KR" sz="1400" dirty="0">
+                <a:solidFill>
+                  <a:srgbClr val="D4D4D4"/>
+                </a:solidFill>
+                <a:latin typeface="Menlo" panose="020B0609030804020204" pitchFamily="49" charset="0"/>
+              </a:rPr>
+              <a:t>data = [] </a:t>
+            </a:r>
+            <a:r>
+              <a:rPr lang="en" altLang="ko-KR" sz="1400" dirty="0">
                 <a:solidFill>
                   <a:srgbClr val="6A9955"/>
                 </a:solidFill>
@@ -6009,7 +6000,7 @@
               <a:t># data path </a:t>
             </a:r>
             <a:r>
-              <a:rPr lang="ko-KR" altLang="en-US" sz="1200" dirty="0">
+              <a:rPr lang="ko-KR" altLang="en-US" sz="1400" dirty="0">
                 <a:solidFill>
                   <a:srgbClr val="6A9955"/>
                 </a:solidFill>
@@ -6017,7 +6008,7 @@
               </a:rPr>
               <a:t>저장을 위한 변수</a:t>
             </a:r>
-            <a:endParaRPr lang="ko-KR" altLang="en-US" sz="1200" dirty="0">
+            <a:endParaRPr lang="ko-KR" altLang="en-US" sz="1400" dirty="0">
               <a:solidFill>
                 <a:srgbClr val="D4D4D4"/>
               </a:solidFill>
@@ -6027,7 +6018,7 @@
           <a:p>
             <a:pPr lvl="1"/>
             <a:r>
-              <a:rPr lang="en" altLang="ko-KR" sz="1200" dirty="0">
+              <a:rPr lang="en" altLang="ko-KR" sz="1400" dirty="0">
                 <a:solidFill>
                   <a:srgbClr val="D4D4D4"/>
                 </a:solidFill>
@@ -6036,7 +6027,7 @@
               <a:t>labels=[] </a:t>
             </a:r>
             <a:r>
-              <a:rPr lang="en" altLang="ko-KR" sz="1200" dirty="0">
+              <a:rPr lang="en" altLang="ko-KR" sz="1400" dirty="0">
                 <a:solidFill>
                   <a:srgbClr val="6A9955"/>
                 </a:solidFill>
@@ -6045,7 +6036,7 @@
               <a:t># </a:t>
             </a:r>
             <a:r>
-              <a:rPr lang="ko-KR" altLang="en-US" sz="1200" dirty="0">
+              <a:rPr lang="ko-KR" altLang="en-US" sz="1400" dirty="0">
                 <a:solidFill>
                   <a:srgbClr val="6A9955"/>
                 </a:solidFill>
@@ -6054,7 +6045,7 @@
               <a:t>테스트 </a:t>
             </a:r>
             <a:r>
-              <a:rPr lang="en" altLang="ko-KR" sz="1200" dirty="0">
+              <a:rPr lang="en" altLang="ko-KR" sz="1400" dirty="0">
                 <a:solidFill>
                   <a:srgbClr val="6A9955"/>
                 </a:solidFill>
@@ -6063,7 +6054,7 @@
               <a:t>id </a:t>
             </a:r>
             <a:r>
-              <a:rPr lang="ko-KR" altLang="en-US" sz="1200" dirty="0">
+              <a:rPr lang="ko-KR" altLang="en-US" sz="1400" dirty="0">
                 <a:solidFill>
                   <a:srgbClr val="6A9955"/>
                 </a:solidFill>
@@ -6071,7 +6062,7 @@
               </a:rPr>
               <a:t>순서 기록</a:t>
             </a:r>
-            <a:endParaRPr lang="ko-KR" altLang="en-US" sz="1200" dirty="0">
+            <a:endParaRPr lang="ko-KR" altLang="en-US" sz="1400" dirty="0">
               <a:solidFill>
                 <a:srgbClr val="D4D4D4"/>
               </a:solidFill>
@@ -6081,7 +6072,7 @@
           <a:p>
             <a:pPr lvl="1"/>
             <a:r>
-              <a:rPr lang="en-US" altLang="ko-KR" sz="1200" dirty="0">
+              <a:rPr lang="en-US" altLang="ko-KR" sz="1400" dirty="0">
                 <a:solidFill>
                   <a:srgbClr val="6A9955"/>
                 </a:solidFill>
@@ -6090,7 +6081,7 @@
               <a:t>## </a:t>
             </a:r>
             <a:r>
-              <a:rPr lang="ko-KR" altLang="en-US" sz="1200" dirty="0">
+              <a:rPr lang="ko-KR" altLang="en-US" sz="1400" dirty="0">
                 <a:solidFill>
                   <a:srgbClr val="6A9955"/>
                 </a:solidFill>
@@ -6099,7 +6090,7 @@
               <a:t>하위 데이터 </a:t>
             </a:r>
             <a:r>
-              <a:rPr lang="en" altLang="ko-KR" sz="1200" dirty="0">
+              <a:rPr lang="en" altLang="ko-KR" sz="1400" dirty="0">
                 <a:solidFill>
                   <a:srgbClr val="6A9955"/>
                 </a:solidFill>
@@ -6108,7 +6099,7 @@
               <a:t>path </a:t>
             </a:r>
             <a:r>
-              <a:rPr lang="ko-KR" altLang="en-US" sz="1200" dirty="0">
+              <a:rPr lang="ko-KR" altLang="en-US" sz="1400" dirty="0">
                 <a:solidFill>
                   <a:srgbClr val="6A9955"/>
                 </a:solidFill>
@@ -6116,7 +6107,7 @@
               </a:rPr>
               <a:t>읽기</a:t>
             </a:r>
-            <a:endParaRPr lang="ko-KR" altLang="en-US" sz="1200" dirty="0">
+            <a:endParaRPr lang="ko-KR" altLang="en-US" sz="1400" dirty="0">
               <a:solidFill>
                 <a:srgbClr val="D4D4D4"/>
               </a:solidFill>
@@ -6126,7 +6117,7 @@
           <a:p>
             <a:pPr lvl="1"/>
             <a:r>
-              <a:rPr lang="en" altLang="ko-KR" sz="1200" dirty="0">
+              <a:rPr lang="en" altLang="ko-KR" sz="1400" dirty="0">
                 <a:solidFill>
                   <a:srgbClr val="C586C0"/>
                 </a:solidFill>
@@ -6135,7 +6126,7 @@
               <a:t>for</a:t>
             </a:r>
             <a:r>
-              <a:rPr lang="en" altLang="ko-KR" sz="1200" dirty="0">
+              <a:rPr lang="en" altLang="ko-KR" sz="1400" dirty="0">
                 <a:solidFill>
                   <a:srgbClr val="D4D4D4"/>
                 </a:solidFill>
@@ -6144,7 +6135,7 @@
               <a:t> </a:t>
             </a:r>
             <a:r>
-              <a:rPr lang="en" altLang="ko-KR" sz="1200" dirty="0" err="1">
+              <a:rPr lang="en" altLang="ko-KR" sz="1400" dirty="0" err="1">
                 <a:solidFill>
                   <a:srgbClr val="D4D4D4"/>
                 </a:solidFill>
@@ -6153,7 +6144,7 @@
               <a:t>dir_name</a:t>
             </a:r>
             <a:r>
-              <a:rPr lang="en" altLang="ko-KR" sz="1200" dirty="0">
+              <a:rPr lang="en" altLang="ko-KR" sz="1400" dirty="0">
                 <a:solidFill>
                   <a:srgbClr val="D4D4D4"/>
                 </a:solidFill>
@@ -6162,7 +6153,7 @@
               <a:t>,_,_ </a:t>
             </a:r>
             <a:r>
-              <a:rPr lang="en" altLang="ko-KR" sz="1200" dirty="0">
+              <a:rPr lang="en" altLang="ko-KR" sz="1400" dirty="0">
                 <a:solidFill>
                   <a:srgbClr val="569CD6"/>
                 </a:solidFill>
@@ -6171,7 +6162,7 @@
               <a:t>in</a:t>
             </a:r>
             <a:r>
-              <a:rPr lang="en" altLang="ko-KR" sz="1200" dirty="0">
+              <a:rPr lang="en" altLang="ko-KR" sz="1400" dirty="0">
                 <a:solidFill>
                   <a:srgbClr val="D4D4D4"/>
                 </a:solidFill>
@@ -6180,7 +6171,7 @@
               <a:t> </a:t>
             </a:r>
             <a:r>
-              <a:rPr lang="en" altLang="ko-KR" sz="1200" dirty="0" err="1">
+              <a:rPr lang="en" altLang="ko-KR" sz="1400" dirty="0" err="1">
                 <a:solidFill>
                   <a:srgbClr val="D4D4D4"/>
                 </a:solidFill>
@@ -6189,7 +6180,7 @@
               <a:t>os.walk</a:t>
             </a:r>
             <a:r>
-              <a:rPr lang="en" altLang="ko-KR" sz="1200" dirty="0">
+              <a:rPr lang="en" altLang="ko-KR" sz="1400" dirty="0">
                 <a:solidFill>
                   <a:srgbClr val="D4D4D4"/>
                 </a:solidFill>
@@ -6198,7 +6189,7 @@
               <a:t>(</a:t>
             </a:r>
             <a:r>
-              <a:rPr lang="en" altLang="ko-KR" sz="1200" dirty="0" err="1">
+              <a:rPr lang="en" altLang="ko-KR" sz="1400" dirty="0" err="1">
                 <a:solidFill>
                   <a:srgbClr val="D4D4D4"/>
                 </a:solidFill>
@@ -6207,7 +6198,7 @@
               <a:t>root_path</a:t>
             </a:r>
             <a:r>
-              <a:rPr lang="en" altLang="ko-KR" sz="1200" dirty="0">
+              <a:rPr lang="en" altLang="ko-KR" sz="1400" dirty="0">
                 <a:solidFill>
                   <a:srgbClr val="D4D4D4"/>
                 </a:solidFill>
@@ -6219,7 +6210,7 @@
           <a:p>
             <a:pPr lvl="2"/>
             <a:r>
-              <a:rPr lang="en" altLang="ko-KR" sz="1200" dirty="0">
+              <a:rPr lang="en" altLang="ko-KR" sz="1400" dirty="0">
                 <a:solidFill>
                   <a:srgbClr val="C586C0"/>
                 </a:solidFill>
@@ -6228,7 +6219,7 @@
               <a:t>try</a:t>
             </a:r>
             <a:r>
-              <a:rPr lang="en" altLang="ko-KR" sz="1200" dirty="0">
+              <a:rPr lang="en" altLang="ko-KR" sz="1400" dirty="0">
                 <a:solidFill>
                   <a:srgbClr val="D4D4D4"/>
                 </a:solidFill>
@@ -6240,7 +6231,7 @@
           <a:p>
             <a:pPr lvl="3"/>
             <a:r>
-              <a:rPr lang="en" altLang="ko-KR" sz="1200" dirty="0" err="1">
+              <a:rPr lang="en" altLang="ko-KR" sz="1400" dirty="0" err="1">
                 <a:solidFill>
                   <a:srgbClr val="D4D4D4"/>
                 </a:solidFill>
@@ -6249,7 +6240,7 @@
               <a:t>data_id</a:t>
             </a:r>
             <a:r>
-              <a:rPr lang="en" altLang="ko-KR" sz="1200" dirty="0">
+              <a:rPr lang="en" altLang="ko-KR" sz="1400" dirty="0">
                 <a:solidFill>
                   <a:srgbClr val="D4D4D4"/>
                 </a:solidFill>
@@ -6258,7 +6249,7 @@
               <a:t> = </a:t>
             </a:r>
             <a:r>
-              <a:rPr lang="en" altLang="ko-KR" sz="1200" dirty="0" err="1">
+              <a:rPr lang="en" altLang="ko-KR" sz="1400" dirty="0" err="1">
                 <a:solidFill>
                   <a:srgbClr val="D4D4D4"/>
                 </a:solidFill>
@@ -6267,7 +6258,7 @@
               <a:t>dir_name.split</a:t>
             </a:r>
             <a:r>
-              <a:rPr lang="en" altLang="ko-KR" sz="1200" dirty="0">
+              <a:rPr lang="en" altLang="ko-KR" sz="1400" dirty="0">
                 <a:solidFill>
                   <a:srgbClr val="D4D4D4"/>
                 </a:solidFill>
@@ -6276,7 +6267,7 @@
               <a:t>(</a:t>
             </a:r>
             <a:r>
-              <a:rPr lang="en" altLang="ko-KR" sz="1200" dirty="0">
+              <a:rPr lang="en" altLang="ko-KR" sz="1400" dirty="0">
                 <a:solidFill>
                   <a:srgbClr val="CE9178"/>
                 </a:solidFill>
@@ -6285,7 +6276,7 @@
               <a:t>'/'</a:t>
             </a:r>
             <a:r>
-              <a:rPr lang="en" altLang="ko-KR" sz="1200" dirty="0">
+              <a:rPr lang="en" altLang="ko-KR" sz="1400" dirty="0">
                 <a:solidFill>
                   <a:srgbClr val="D4D4D4"/>
                 </a:solidFill>
@@ -6294,7 +6285,7 @@
               <a:t>)[-</a:t>
             </a:r>
             <a:r>
-              <a:rPr lang="en" altLang="ko-KR" sz="1200" dirty="0">
+              <a:rPr lang="en" altLang="ko-KR" sz="1400" dirty="0">
                 <a:solidFill>
                   <a:srgbClr val="B5CEA8"/>
                 </a:solidFill>
@@ -6303,7 +6294,7 @@
               <a:t>1</a:t>
             </a:r>
             <a:r>
-              <a:rPr lang="en" altLang="ko-KR" sz="1200" dirty="0">
+              <a:rPr lang="en" altLang="ko-KR" sz="1400" dirty="0">
                 <a:solidFill>
                   <a:srgbClr val="D4D4D4"/>
                 </a:solidFill>
@@ -6315,7 +6306,7 @@
           <a:p>
             <a:pPr lvl="3"/>
             <a:r>
-              <a:rPr lang="en" altLang="ko-KR" sz="1200" dirty="0">
+              <a:rPr lang="en" altLang="ko-KR" sz="1400" dirty="0">
                 <a:solidFill>
                   <a:srgbClr val="4EC9B0"/>
                 </a:solidFill>
@@ -6324,7 +6315,7 @@
               <a:t>int</a:t>
             </a:r>
             <a:r>
-              <a:rPr lang="en" altLang="ko-KR" sz="1200" dirty="0">
+              <a:rPr lang="en" altLang="ko-KR" sz="1400" dirty="0">
                 <a:solidFill>
                   <a:srgbClr val="D4D4D4"/>
                 </a:solidFill>
@@ -6333,7 +6324,7 @@
               <a:t>(</a:t>
             </a:r>
             <a:r>
-              <a:rPr lang="en" altLang="ko-KR" sz="1200" dirty="0" err="1">
+              <a:rPr lang="en" altLang="ko-KR" sz="1400" dirty="0" err="1">
                 <a:solidFill>
                   <a:srgbClr val="D4D4D4"/>
                 </a:solidFill>
@@ -6342,7 +6333,7 @@
               <a:t>data_id</a:t>
             </a:r>
             <a:r>
-              <a:rPr lang="en" altLang="ko-KR" sz="1200" dirty="0">
+              <a:rPr lang="en" altLang="ko-KR" sz="1400" dirty="0">
                 <a:solidFill>
                   <a:srgbClr val="D4D4D4"/>
                 </a:solidFill>
@@ -6354,7 +6345,7 @@
           <a:p>
             <a:pPr lvl="2"/>
             <a:r>
-              <a:rPr lang="en" altLang="ko-KR" sz="1200" dirty="0">
+              <a:rPr lang="en" altLang="ko-KR" sz="1400" dirty="0">
                 <a:solidFill>
                   <a:srgbClr val="C586C0"/>
                 </a:solidFill>
@@ -6363,7 +6354,7 @@
               <a:t>except</a:t>
             </a:r>
             <a:r>
-              <a:rPr lang="en" altLang="ko-KR" sz="1200" dirty="0">
+              <a:rPr lang="en" altLang="ko-KR" sz="1400" dirty="0">
                 <a:solidFill>
                   <a:srgbClr val="D4D4D4"/>
                 </a:solidFill>
@@ -6372,7 +6363,7 @@
               <a:t>: </a:t>
             </a:r>
             <a:r>
-              <a:rPr lang="en" altLang="ko-KR" sz="1200" dirty="0">
+              <a:rPr lang="en" altLang="ko-KR" sz="1400" dirty="0">
                 <a:solidFill>
                   <a:srgbClr val="C586C0"/>
                 </a:solidFill>
@@ -6380,7 +6371,7 @@
               </a:rPr>
               <a:t>pass</a:t>
             </a:r>
-            <a:endParaRPr lang="en" altLang="ko-KR" sz="1200" dirty="0">
+            <a:endParaRPr lang="en" altLang="ko-KR" sz="1400" dirty="0">
               <a:solidFill>
                 <a:srgbClr val="D4D4D4"/>
               </a:solidFill>
@@ -6390,7 +6381,7 @@
           <a:p>
             <a:pPr lvl="2"/>
             <a:r>
-              <a:rPr lang="en" altLang="ko-KR" sz="1200" dirty="0">
+              <a:rPr lang="en" altLang="ko-KR" sz="1400" dirty="0">
                 <a:solidFill>
                   <a:srgbClr val="C586C0"/>
                 </a:solidFill>
@@ -6399,7 +6390,7 @@
               <a:t>else</a:t>
             </a:r>
             <a:r>
-              <a:rPr lang="en" altLang="ko-KR" sz="1200" dirty="0">
+              <a:rPr lang="en" altLang="ko-KR" sz="1400" dirty="0">
                 <a:solidFill>
                   <a:srgbClr val="D4D4D4"/>
                 </a:solidFill>
@@ -6411,25 +6402,43 @@
           <a:p>
             <a:pPr lvl="3"/>
             <a:r>
-              <a:rPr lang="en" altLang="ko-KR" sz="1200" dirty="0" err="1">
-                <a:solidFill>
-                  <a:srgbClr val="D4D4D4"/>
-                </a:solidFill>
-                <a:latin typeface="Menlo" panose="020B0609030804020204" pitchFamily="49" charset="0"/>
-              </a:rPr>
-              <a:t>data_path.append</a:t>
-            </a:r>
-            <a:r>
-              <a:rPr lang="en" altLang="ko-KR" sz="1200" dirty="0">
-                <a:solidFill>
-                  <a:srgbClr val="D4D4D4"/>
-                </a:solidFill>
-                <a:latin typeface="Menlo" panose="020B0609030804020204" pitchFamily="49" charset="0"/>
-              </a:rPr>
-              <a:t>( </a:t>
-            </a:r>
-            <a:r>
-              <a:rPr lang="en" altLang="ko-KR" sz="1200" dirty="0" err="1">
+              <a:rPr lang="en" altLang="ko-KR" sz="1400" dirty="0" err="1">
+                <a:solidFill>
+                  <a:srgbClr val="D4D4D4"/>
+                </a:solidFill>
+                <a:latin typeface="Menlo" panose="020B0609030804020204" pitchFamily="49" charset="0"/>
+              </a:rPr>
+              <a:t>data.append</a:t>
+            </a:r>
+            <a:r>
+              <a:rPr lang="en" altLang="ko-KR" sz="1400" dirty="0">
+                <a:solidFill>
+                  <a:srgbClr val="D4D4D4"/>
+                </a:solidFill>
+                <a:latin typeface="Menlo" panose="020B0609030804020204" pitchFamily="49" charset="0"/>
+              </a:rPr>
+              <a:t>(</a:t>
+            </a:r>
+            <a:r>
+              <a:rPr lang="en" altLang="ko-KR" sz="1400" dirty="0" err="1">
+                <a:solidFill>
+                  <a:srgbClr val="D4D4D4"/>
+                </a:solidFill>
+                <a:latin typeface="Menlo" panose="020B0609030804020204" pitchFamily="49" charset="0"/>
+              </a:rPr>
+              <a:t>np.load</a:t>
+            </a:r>
+            <a:r>
+              <a:rPr lang="en" altLang="ko-KR" sz="1400" dirty="0">
+                <a:solidFill>
+                  <a:srgbClr val="D4D4D4"/>
+                </a:solidFill>
+                <a:latin typeface="Menlo" panose="020B0609030804020204" pitchFamily="49" charset="0"/>
+              </a:rPr>
+              <a:t>(</a:t>
+            </a:r>
+            <a:r>
+              <a:rPr lang="en" altLang="ko-KR" sz="1400" dirty="0" err="1">
                 <a:solidFill>
                   <a:srgbClr val="D4D4D4"/>
                 </a:solidFill>
@@ -6438,19 +6447,73 @@
               <a:t>dir_name</a:t>
             </a:r>
             <a:r>
-              <a:rPr lang="en" altLang="ko-KR" sz="1200" dirty="0">
-                <a:solidFill>
-                  <a:srgbClr val="D4D4D4"/>
-                </a:solidFill>
-                <a:latin typeface="Menlo" panose="020B0609030804020204" pitchFamily="49" charset="0"/>
-              </a:rPr>
-              <a:t> )</a:t>
+              <a:rPr lang="en" altLang="ko-KR" sz="1400" dirty="0">
+                <a:solidFill>
+                  <a:srgbClr val="D4D4D4"/>
+                </a:solidFill>
+                <a:latin typeface="Menlo" panose="020B0609030804020204" pitchFamily="49" charset="0"/>
+              </a:rPr>
+              <a:t>+</a:t>
+            </a:r>
+            <a:r>
+              <a:rPr lang="en" altLang="ko-KR" sz="1400" dirty="0">
+                <a:solidFill>
+                  <a:srgbClr val="CE9178"/>
+                </a:solidFill>
+                <a:latin typeface="Menlo" panose="020B0609030804020204" pitchFamily="49" charset="0"/>
+              </a:rPr>
+              <a:t>'/</a:t>
+            </a:r>
+            <a:r>
+              <a:rPr lang="en" altLang="ko-KR" sz="1400" dirty="0" err="1">
+                <a:solidFill>
+                  <a:srgbClr val="CE9178"/>
+                </a:solidFill>
+                <a:latin typeface="Menlo" panose="020B0609030804020204" pitchFamily="49" charset="0"/>
+              </a:rPr>
+              <a:t>mammo.npz</a:t>
+            </a:r>
+            <a:r>
+              <a:rPr lang="en" altLang="ko-KR" sz="1400" dirty="0">
+                <a:solidFill>
+                  <a:srgbClr val="CE9178"/>
+                </a:solidFill>
+                <a:latin typeface="Menlo" panose="020B0609030804020204" pitchFamily="49" charset="0"/>
+              </a:rPr>
+              <a:t>'</a:t>
+            </a:r>
+            <a:r>
+              <a:rPr lang="en" altLang="ko-KR" sz="1400" dirty="0">
+                <a:solidFill>
+                  <a:srgbClr val="D4D4D4"/>
+                </a:solidFill>
+                <a:latin typeface="Menlo" panose="020B0609030804020204" pitchFamily="49" charset="0"/>
+              </a:rPr>
+              <a:t>)[</a:t>
+            </a:r>
+            <a:r>
+              <a:rPr lang="en" altLang="ko-KR" sz="1400" dirty="0">
+                <a:solidFill>
+                  <a:srgbClr val="CE9178"/>
+                </a:solidFill>
+                <a:latin typeface="Menlo" panose="020B0609030804020204" pitchFamily="49" charset="0"/>
+              </a:rPr>
+              <a:t>'arr_0'</a:t>
+            </a:r>
+            <a:r>
+              <a:rPr lang="en" altLang="ko-KR" sz="1400" dirty="0">
+                <a:solidFill>
+                  <a:srgbClr val="D4D4D4"/>
+                </a:solidFill>
+                <a:latin typeface="Menlo" panose="020B0609030804020204" pitchFamily="49" charset="0"/>
+              </a:rPr>
+              <a:t>]) </a:t>
             </a:r>
           </a:p>
           <a:p>
             <a:pPr lvl="3"/>
             <a:r>
-              <a:rPr lang="en" altLang="ko-KR" sz="1200" dirty="0" err="1">
+              <a:rPr lang="en" altLang="ko-KR" sz="1400" dirty="0" err="1">
                 <a:solidFill>
                   <a:srgbClr val="D4D4D4"/>
                 </a:solidFill>
@@ -6459,7 +6522,7 @@
               <a:t>labels.append</a:t>
             </a:r>
             <a:r>
-              <a:rPr lang="en" altLang="ko-KR" sz="1200" dirty="0">
+              <a:rPr lang="en" altLang="ko-KR" sz="1400" dirty="0">
                 <a:solidFill>
                   <a:srgbClr val="D4D4D4"/>
                 </a:solidFill>
@@ -6468,7 +6531,7 @@
               <a:t>(</a:t>
             </a:r>
             <a:r>
-              <a:rPr lang="en" altLang="ko-KR" sz="1200" dirty="0">
+              <a:rPr lang="en" altLang="ko-KR" sz="1400" dirty="0">
                 <a:solidFill>
                   <a:srgbClr val="4EC9B0"/>
                 </a:solidFill>
@@ -6477,7 +6540,7 @@
               <a:t>int</a:t>
             </a:r>
             <a:r>
-              <a:rPr lang="en" altLang="ko-KR" sz="1200" dirty="0">
+              <a:rPr lang="en" altLang="ko-KR" sz="1400" dirty="0">
                 <a:solidFill>
                   <a:srgbClr val="D4D4D4"/>
                 </a:solidFill>
@@ -6486,7 +6549,7 @@
               <a:t>(</a:t>
             </a:r>
             <a:r>
-              <a:rPr lang="en" altLang="ko-KR" sz="1200" dirty="0" err="1">
+              <a:rPr lang="en" altLang="ko-KR" sz="1400" dirty="0" err="1">
                 <a:solidFill>
                   <a:srgbClr val="D4D4D4"/>
                 </a:solidFill>
@@ -6495,7 +6558,7 @@
               <a:t>data_id</a:t>
             </a:r>
             <a:r>
-              <a:rPr lang="en" altLang="ko-KR" sz="1200" dirty="0">
+              <a:rPr lang="en" altLang="ko-KR" sz="1400" dirty="0">
                 <a:solidFill>
                   <a:srgbClr val="D4D4D4"/>
                 </a:solidFill>
@@ -6504,7 +6567,7 @@
               <a:t>[</a:t>
             </a:r>
             <a:r>
-              <a:rPr lang="en" altLang="ko-KR" sz="1200" dirty="0">
+              <a:rPr lang="en" altLang="ko-KR" sz="1400" dirty="0">
                 <a:solidFill>
                   <a:srgbClr val="B5CEA8"/>
                 </a:solidFill>
@@ -6513,7 +6576,7 @@
               <a:t>0</a:t>
             </a:r>
             <a:r>
-              <a:rPr lang="en" altLang="ko-KR" sz="1200" dirty="0">
+              <a:rPr lang="en" altLang="ko-KR" sz="1400" dirty="0">
                 <a:solidFill>
                   <a:srgbClr val="D4D4D4"/>
                 </a:solidFill>
@@ -6523,26 +6586,62 @@
             </a:r>
           </a:p>
           <a:p>
-            <a:pPr lvl="2"/>
-            <a:r>
-              <a:rPr lang="en" altLang="ko-KR" sz="1200" dirty="0">
+            <a:pPr lvl="1"/>
+            <a:r>
+              <a:rPr lang="en" altLang="ko-KR" sz="1400" dirty="0">
+                <a:solidFill>
+                  <a:srgbClr val="D4D4D4"/>
+                </a:solidFill>
+                <a:latin typeface="Menlo" panose="020B0609030804020204" pitchFamily="49" charset="0"/>
+              </a:rPr>
+              <a:t>data = </a:t>
+            </a:r>
+            <a:r>
+              <a:rPr lang="en" altLang="ko-KR" sz="1400" dirty="0" err="1">
+                <a:solidFill>
+                  <a:srgbClr val="D4D4D4"/>
+                </a:solidFill>
+                <a:latin typeface="Menlo" panose="020B0609030804020204" pitchFamily="49" charset="0"/>
+              </a:rPr>
+              <a:t>np.array</a:t>
+            </a:r>
+            <a:r>
+              <a:rPr lang="en" altLang="ko-KR" sz="1400" dirty="0">
+                <a:solidFill>
+                  <a:srgbClr val="D4D4D4"/>
+                </a:solidFill>
+                <a:latin typeface="Menlo" panose="020B0609030804020204" pitchFamily="49" charset="0"/>
+              </a:rPr>
+              <a:t>(data) </a:t>
+            </a:r>
+            <a:r>
+              <a:rPr lang="en" altLang="ko-KR" sz="1400" dirty="0">
                 <a:solidFill>
                   <a:srgbClr val="6A9955"/>
                 </a:solidFill>
                 <a:latin typeface="Menlo" panose="020B0609030804020204" pitchFamily="49" charset="0"/>
               </a:rPr>
-              <a:t>## </a:t>
-            </a:r>
-            <a:r>
-              <a:rPr lang="ko-KR" altLang="en-US" sz="1200" dirty="0">
+              <a:t>## list to </a:t>
+            </a:r>
+            <a:r>
+              <a:rPr lang="en" altLang="ko-KR" sz="1400" dirty="0" err="1">
                 <a:solidFill>
                   <a:srgbClr val="6A9955"/>
                 </a:solidFill>
                 <a:latin typeface="Menlo" panose="020B0609030804020204" pitchFamily="49" charset="0"/>
               </a:rPr>
-              <a:t>데이터만 읽기</a:t>
-            </a:r>
-            <a:endParaRPr lang="ko-KR" altLang="en-US" sz="1200" dirty="0">
+              <a:t>numpy</a:t>
+            </a:r>
+            <a:r>
+              <a:rPr lang="en" altLang="ko-KR" sz="1400" dirty="0">
+                <a:solidFill>
+                  <a:srgbClr val="6A9955"/>
+                </a:solidFill>
+                <a:latin typeface="Menlo" panose="020B0609030804020204" pitchFamily="49" charset="0"/>
+              </a:rPr>
+              <a:t> </a:t>
+            </a:r>
+            <a:endParaRPr lang="en" altLang="ko-KR" sz="1400" dirty="0">
               <a:solidFill>
                 <a:srgbClr val="D4D4D4"/>
               </a:solidFill>
@@ -6552,51 +6651,60 @@
           <a:p>
             <a:pPr lvl="1"/>
             <a:r>
-              <a:rPr lang="en" altLang="ko-KR" sz="1200" dirty="0">
-                <a:solidFill>
-                  <a:srgbClr val="D4D4D4"/>
-                </a:solidFill>
-                <a:latin typeface="Menlo" panose="020B0609030804020204" pitchFamily="49" charset="0"/>
-              </a:rPr>
-              <a:t>data = [] </a:t>
-            </a:r>
-            <a:r>
-              <a:rPr lang="en" altLang="ko-KR" sz="1200" dirty="0">
+              <a:rPr lang="en" altLang="ko-KR" sz="1400" dirty="0">
+                <a:solidFill>
+                  <a:srgbClr val="D4D4D4"/>
+                </a:solidFill>
+                <a:latin typeface="Menlo" panose="020B0609030804020204" pitchFamily="49" charset="0"/>
+              </a:rPr>
+              <a:t>labels = </a:t>
+            </a:r>
+            <a:r>
+              <a:rPr lang="en" altLang="ko-KR" sz="1400" dirty="0" err="1">
+                <a:solidFill>
+                  <a:srgbClr val="D4D4D4"/>
+                </a:solidFill>
+                <a:latin typeface="Menlo" panose="020B0609030804020204" pitchFamily="49" charset="0"/>
+              </a:rPr>
+              <a:t>np.array</a:t>
+            </a:r>
+            <a:r>
+              <a:rPr lang="en" altLang="ko-KR" sz="1400" dirty="0">
+                <a:solidFill>
+                  <a:srgbClr val="D4D4D4"/>
+                </a:solidFill>
+                <a:latin typeface="Menlo" panose="020B0609030804020204" pitchFamily="49" charset="0"/>
+              </a:rPr>
+              <a:t>(labels) </a:t>
+            </a:r>
+            <a:r>
+              <a:rPr lang="en" altLang="ko-KR" sz="1400" dirty="0">
                 <a:solidFill>
                   <a:srgbClr val="6A9955"/>
                 </a:solidFill>
                 <a:latin typeface="Menlo" panose="020B0609030804020204" pitchFamily="49" charset="0"/>
               </a:rPr>
-              <a:t># </a:t>
-            </a:r>
-            <a:r>
-              <a:rPr lang="en" altLang="ko-KR" sz="1200" dirty="0" err="1">
+              <a:t>## list to </a:t>
+            </a:r>
+            <a:r>
+              <a:rPr lang="en" altLang="ko-KR" sz="1400" dirty="0" err="1">
                 <a:solidFill>
                   <a:srgbClr val="6A9955"/>
                 </a:solidFill>
                 <a:latin typeface="Menlo" panose="020B0609030804020204" pitchFamily="49" charset="0"/>
               </a:rPr>
-              <a:t>img</a:t>
-            </a:r>
-            <a:r>
-              <a:rPr lang="ko-KR" altLang="en-US" sz="1200" dirty="0">
+              <a:t>numpy</a:t>
+            </a:r>
+            <a:r>
+              <a:rPr lang="en" altLang="ko-KR" sz="1400" dirty="0">
                 <a:solidFill>
                   <a:srgbClr val="6A9955"/>
                 </a:solidFill>
                 <a:latin typeface="Menlo" panose="020B0609030804020204" pitchFamily="49" charset="0"/>
               </a:rPr>
-              <a:t>저장을 위한 </a:t>
-            </a:r>
-            <a:r>
-              <a:rPr lang="en" altLang="ko-KR" sz="1200" dirty="0">
-                <a:solidFill>
-                  <a:srgbClr val="6A9955"/>
-                </a:solidFill>
-                <a:latin typeface="Menlo" panose="020B0609030804020204" pitchFamily="49" charset="0"/>
-              </a:rPr>
-              <a:t>list</a:t>
-            </a:r>
-            <a:endParaRPr lang="en" altLang="ko-KR" sz="1200" dirty="0">
+              <a:t> </a:t>
+            </a:r>
+            <a:endParaRPr lang="en" altLang="ko-KR" sz="1400" dirty="0">
               <a:solidFill>
                 <a:srgbClr val="D4D4D4"/>
               </a:solidFill>
@@ -6606,470 +6714,276 @@
           <a:p>
             <a:pPr lvl="1"/>
             <a:r>
-              <a:rPr lang="en" altLang="ko-KR" sz="1200" dirty="0">
+              <a:rPr lang="en" altLang="ko-KR" sz="1400" dirty="0">
+                <a:solidFill>
+                  <a:srgbClr val="569CD6"/>
+                </a:solidFill>
+                <a:latin typeface="Menlo" panose="020B0609030804020204" pitchFamily="49" charset="0"/>
+              </a:rPr>
+              <a:t>print</a:t>
+            </a:r>
+            <a:r>
+              <a:rPr lang="en" altLang="ko-KR" sz="1400" dirty="0">
+                <a:solidFill>
+                  <a:srgbClr val="D4D4D4"/>
+                </a:solidFill>
+                <a:latin typeface="Menlo" panose="020B0609030804020204" pitchFamily="49" charset="0"/>
+              </a:rPr>
+              <a:t>(</a:t>
+            </a:r>
+            <a:r>
+              <a:rPr lang="en" altLang="ko-KR" sz="1400" dirty="0">
+                <a:solidFill>
+                  <a:srgbClr val="CE9178"/>
+                </a:solidFill>
+                <a:latin typeface="Menlo" panose="020B0609030804020204" pitchFamily="49" charset="0"/>
+              </a:rPr>
+              <a:t>'Dataset Reading Success </a:t>
+            </a:r>
+            <a:r>
+              <a:rPr lang="en" altLang="ko-KR" sz="1400" dirty="0">
+                <a:solidFill>
+                  <a:srgbClr val="D7BA7D"/>
+                </a:solidFill>
+                <a:latin typeface="Menlo" panose="020B0609030804020204" pitchFamily="49" charset="0"/>
+              </a:rPr>
+              <a:t>\n</a:t>
+            </a:r>
+            <a:r>
+              <a:rPr lang="en" altLang="ko-KR" sz="1400" dirty="0">
+                <a:solidFill>
+                  <a:srgbClr val="CE9178"/>
+                </a:solidFill>
+                <a:latin typeface="Menlo" panose="020B0609030804020204" pitchFamily="49" charset="0"/>
+              </a:rPr>
+              <a:t> Reading time'</a:t>
+            </a:r>
+            <a:r>
+              <a:rPr lang="en" altLang="ko-KR" sz="1400" dirty="0">
+                <a:solidFill>
+                  <a:srgbClr val="D4D4D4"/>
+                </a:solidFill>
+                <a:latin typeface="Menlo" panose="020B0609030804020204" pitchFamily="49" charset="0"/>
+              </a:rPr>
+              <a:t>,</a:t>
+            </a:r>
+            <a:r>
+              <a:rPr lang="en" altLang="ko-KR" sz="1400" dirty="0" err="1">
+                <a:solidFill>
+                  <a:srgbClr val="D4D4D4"/>
+                </a:solidFill>
+                <a:latin typeface="Menlo" panose="020B0609030804020204" pitchFamily="49" charset="0"/>
+              </a:rPr>
+              <a:t>time.time</a:t>
+            </a:r>
+            <a:r>
+              <a:rPr lang="en" altLang="ko-KR" sz="1400" dirty="0">
+                <a:solidFill>
+                  <a:srgbClr val="D4D4D4"/>
+                </a:solidFill>
+                <a:latin typeface="Menlo" panose="020B0609030804020204" pitchFamily="49" charset="0"/>
+              </a:rPr>
+              <a:t>()-</a:t>
+            </a:r>
+            <a:r>
+              <a:rPr lang="en" altLang="ko-KR" sz="1400" dirty="0" err="1">
+                <a:solidFill>
+                  <a:srgbClr val="D4D4D4"/>
+                </a:solidFill>
+                <a:latin typeface="Menlo" panose="020B0609030804020204" pitchFamily="49" charset="0"/>
+              </a:rPr>
+              <a:t>t,</a:t>
+            </a:r>
+            <a:r>
+              <a:rPr lang="en" altLang="ko-KR" sz="1400" dirty="0" err="1">
+                <a:solidFill>
+                  <a:srgbClr val="CE9178"/>
+                </a:solidFill>
+                <a:latin typeface="Menlo" panose="020B0609030804020204" pitchFamily="49" charset="0"/>
+              </a:rPr>
+              <a:t>'sec</a:t>
+            </a:r>
+            <a:r>
+              <a:rPr lang="en" altLang="ko-KR" sz="1400" dirty="0">
+                <a:solidFill>
+                  <a:srgbClr val="CE9178"/>
+                </a:solidFill>
+                <a:latin typeface="Menlo" panose="020B0609030804020204" pitchFamily="49" charset="0"/>
+              </a:rPr>
+              <a:t>'</a:t>
+            </a:r>
+            <a:r>
+              <a:rPr lang="en" altLang="ko-KR" sz="1400" dirty="0">
+                <a:solidFill>
+                  <a:srgbClr val="D4D4D4"/>
+                </a:solidFill>
+                <a:latin typeface="Menlo" panose="020B0609030804020204" pitchFamily="49" charset="0"/>
+              </a:rPr>
+              <a:t>)</a:t>
+            </a:r>
+          </a:p>
+          <a:p>
+            <a:pPr lvl="1"/>
+            <a:r>
+              <a:rPr lang="en" altLang="ko-KR" sz="1400" dirty="0">
+                <a:solidFill>
+                  <a:srgbClr val="569CD6"/>
+                </a:solidFill>
+                <a:latin typeface="Menlo" panose="020B0609030804020204" pitchFamily="49" charset="0"/>
+              </a:rPr>
+              <a:t>print</a:t>
+            </a:r>
+            <a:r>
+              <a:rPr lang="en" altLang="ko-KR" sz="1400" dirty="0">
+                <a:solidFill>
+                  <a:srgbClr val="D4D4D4"/>
+                </a:solidFill>
+                <a:latin typeface="Menlo" panose="020B0609030804020204" pitchFamily="49" charset="0"/>
+              </a:rPr>
+              <a:t>(</a:t>
+            </a:r>
+            <a:r>
+              <a:rPr lang="en" altLang="ko-KR" sz="1400" dirty="0">
+                <a:solidFill>
+                  <a:srgbClr val="CE9178"/>
+                </a:solidFill>
+                <a:latin typeface="Menlo" panose="020B0609030804020204" pitchFamily="49" charset="0"/>
+              </a:rPr>
+              <a:t>'Dataset:'</a:t>
+            </a:r>
+            <a:r>
+              <a:rPr lang="en" altLang="ko-KR" sz="1400" dirty="0">
+                <a:solidFill>
+                  <a:srgbClr val="D4D4D4"/>
+                </a:solidFill>
+                <a:latin typeface="Menlo" panose="020B0609030804020204" pitchFamily="49" charset="0"/>
+              </a:rPr>
+              <a:t>,data.shape,</a:t>
+            </a:r>
+            <a:r>
+              <a:rPr lang="en" altLang="ko-KR" sz="1400" dirty="0">
+                <a:solidFill>
+                  <a:srgbClr val="CE9178"/>
+                </a:solidFill>
+                <a:latin typeface="Menlo" panose="020B0609030804020204" pitchFamily="49" charset="0"/>
+              </a:rPr>
+              <a:t>'</a:t>
+            </a:r>
+            <a:r>
+              <a:rPr lang="en" altLang="ko-KR" sz="1400" dirty="0" err="1">
+                <a:solidFill>
+                  <a:srgbClr val="CE9178"/>
+                </a:solidFill>
+                <a:latin typeface="Menlo" panose="020B0609030804020204" pitchFamily="49" charset="0"/>
+              </a:rPr>
+              <a:t>np.array.shape</a:t>
+            </a:r>
+            <a:r>
+              <a:rPr lang="en" altLang="ko-KR" sz="1400" dirty="0">
+                <a:solidFill>
+                  <a:srgbClr val="CE9178"/>
+                </a:solidFill>
+                <a:latin typeface="Menlo" panose="020B0609030804020204" pitchFamily="49" charset="0"/>
+              </a:rPr>
+              <a:t>(files, views, width, height)'</a:t>
+            </a:r>
+            <a:r>
+              <a:rPr lang="en" altLang="ko-KR" sz="1400" dirty="0">
+                <a:solidFill>
+                  <a:srgbClr val="D4D4D4"/>
+                </a:solidFill>
+                <a:latin typeface="Menlo" panose="020B0609030804020204" pitchFamily="49" charset="0"/>
+              </a:rPr>
+              <a:t>)</a:t>
+            </a:r>
+          </a:p>
+          <a:p>
+            <a:pPr lvl="1"/>
+            <a:r>
+              <a:rPr lang="en" altLang="ko-KR" sz="1400" dirty="0">
+                <a:solidFill>
+                  <a:srgbClr val="569CD6"/>
+                </a:solidFill>
+                <a:latin typeface="Menlo" panose="020B0609030804020204" pitchFamily="49" charset="0"/>
+              </a:rPr>
+              <a:t>print</a:t>
+            </a:r>
+            <a:r>
+              <a:rPr lang="en" altLang="ko-KR" sz="1400" dirty="0">
+                <a:solidFill>
+                  <a:srgbClr val="D4D4D4"/>
+                </a:solidFill>
+                <a:latin typeface="Menlo" panose="020B0609030804020204" pitchFamily="49" charset="0"/>
+              </a:rPr>
+              <a:t>(</a:t>
+            </a:r>
+            <a:r>
+              <a:rPr lang="en" altLang="ko-KR" sz="1400" dirty="0">
+                <a:solidFill>
+                  <a:srgbClr val="CE9178"/>
+                </a:solidFill>
+                <a:latin typeface="Menlo" panose="020B0609030804020204" pitchFamily="49" charset="0"/>
+              </a:rPr>
+              <a:t>'Labels:'</a:t>
+            </a:r>
+            <a:r>
+              <a:rPr lang="en" altLang="ko-KR" sz="1400" dirty="0">
+                <a:solidFill>
+                  <a:srgbClr val="D4D4D4"/>
+                </a:solidFill>
+                <a:latin typeface="Menlo" panose="020B0609030804020204" pitchFamily="49" charset="0"/>
+              </a:rPr>
+              <a:t>, </a:t>
+            </a:r>
+            <a:r>
+              <a:rPr lang="en" altLang="ko-KR" sz="1400" dirty="0" err="1">
+                <a:solidFill>
+                  <a:srgbClr val="D4D4D4"/>
+                </a:solidFill>
+                <a:latin typeface="Menlo" panose="020B0609030804020204" pitchFamily="49" charset="0"/>
+              </a:rPr>
+              <a:t>labels.shape</a:t>
+            </a:r>
+            <a:r>
+              <a:rPr lang="en" altLang="ko-KR" sz="1400" dirty="0">
+                <a:solidFill>
+                  <a:srgbClr val="D4D4D4"/>
+                </a:solidFill>
+                <a:latin typeface="Menlo" panose="020B0609030804020204" pitchFamily="49" charset="0"/>
+              </a:rPr>
+              <a:t>, </a:t>
+            </a:r>
+            <a:r>
+              <a:rPr lang="en" altLang="ko-KR" sz="1400" dirty="0">
+                <a:solidFill>
+                  <a:srgbClr val="CE9178"/>
+                </a:solidFill>
+                <a:latin typeface="Menlo" panose="020B0609030804020204" pitchFamily="49" charset="0"/>
+              </a:rPr>
+              <a:t>'each of which 0~2'</a:t>
+            </a:r>
+            <a:r>
+              <a:rPr lang="en" altLang="ko-KR" sz="1400" dirty="0">
+                <a:solidFill>
+                  <a:srgbClr val="D4D4D4"/>
+                </a:solidFill>
+                <a:latin typeface="Menlo" panose="020B0609030804020204" pitchFamily="49" charset="0"/>
+              </a:rPr>
+              <a:t>)</a:t>
+            </a:r>
+          </a:p>
+          <a:p>
+            <a:r>
+              <a:rPr lang="en" altLang="ko-KR" sz="1400" dirty="0">
                 <a:solidFill>
                   <a:srgbClr val="C586C0"/>
                 </a:solidFill>
                 <a:latin typeface="Menlo" panose="020B0609030804020204" pitchFamily="49" charset="0"/>
               </a:rPr>
-              <a:t>for</a:t>
-            </a:r>
-            <a:r>
-              <a:rPr lang="en" altLang="ko-KR" sz="1200" dirty="0">
-                <a:solidFill>
-                  <a:srgbClr val="D4D4D4"/>
-                </a:solidFill>
-                <a:latin typeface="Menlo" panose="020B0609030804020204" pitchFamily="49" charset="0"/>
-              </a:rPr>
-              <a:t> </a:t>
-            </a:r>
-            <a:r>
-              <a:rPr lang="en" altLang="ko-KR" sz="1200" dirty="0" err="1">
-                <a:solidFill>
-                  <a:srgbClr val="D4D4D4"/>
-                </a:solidFill>
-                <a:latin typeface="Menlo" panose="020B0609030804020204" pitchFamily="49" charset="0"/>
-              </a:rPr>
-              <a:t>d_path</a:t>
-            </a:r>
-            <a:r>
-              <a:rPr lang="en" altLang="ko-KR" sz="1200" dirty="0">
-                <a:solidFill>
-                  <a:srgbClr val="D4D4D4"/>
-                </a:solidFill>
-                <a:latin typeface="Menlo" panose="020B0609030804020204" pitchFamily="49" charset="0"/>
-              </a:rPr>
-              <a:t> </a:t>
-            </a:r>
-            <a:r>
-              <a:rPr lang="en" altLang="ko-KR" sz="1200" dirty="0">
-                <a:solidFill>
-                  <a:srgbClr val="569CD6"/>
-                </a:solidFill>
-                <a:latin typeface="Menlo" panose="020B0609030804020204" pitchFamily="49" charset="0"/>
-              </a:rPr>
-              <a:t>in</a:t>
-            </a:r>
-            <a:r>
-              <a:rPr lang="en" altLang="ko-KR" sz="1200" dirty="0">
-                <a:solidFill>
-                  <a:srgbClr val="D4D4D4"/>
-                </a:solidFill>
-                <a:latin typeface="Menlo" panose="020B0609030804020204" pitchFamily="49" charset="0"/>
-              </a:rPr>
-              <a:t> </a:t>
-            </a:r>
-            <a:r>
-              <a:rPr lang="en" altLang="ko-KR" sz="1200" dirty="0" err="1">
-                <a:solidFill>
-                  <a:srgbClr val="D4D4D4"/>
-                </a:solidFill>
-                <a:latin typeface="Menlo" panose="020B0609030804020204" pitchFamily="49" charset="0"/>
-              </a:rPr>
-              <a:t>data_path</a:t>
-            </a:r>
-            <a:r>
-              <a:rPr lang="en" altLang="ko-KR" sz="1200" dirty="0">
-                <a:solidFill>
-                  <a:srgbClr val="D4D4D4"/>
-                </a:solidFill>
-                <a:latin typeface="Menlo" panose="020B0609030804020204" pitchFamily="49" charset="0"/>
-              </a:rPr>
-              <a:t>:</a:t>
-            </a:r>
-          </a:p>
-          <a:p>
-            <a:pPr lvl="2"/>
-            <a:r>
-              <a:rPr lang="en" altLang="ko-KR" sz="1200" dirty="0">
-                <a:solidFill>
-                  <a:srgbClr val="D4D4D4"/>
-                </a:solidFill>
-                <a:latin typeface="Menlo" panose="020B0609030804020204" pitchFamily="49" charset="0"/>
-              </a:rPr>
-              <a:t>sample = </a:t>
-            </a:r>
-            <a:r>
-              <a:rPr lang="en" altLang="ko-KR" sz="1200" dirty="0" err="1">
-                <a:solidFill>
-                  <a:srgbClr val="D4D4D4"/>
-                </a:solidFill>
-                <a:latin typeface="Menlo" panose="020B0609030804020204" pitchFamily="49" charset="0"/>
-              </a:rPr>
-              <a:t>np.load</a:t>
-            </a:r>
-            <a:r>
-              <a:rPr lang="en" altLang="ko-KR" sz="1200" dirty="0">
-                <a:solidFill>
-                  <a:srgbClr val="D4D4D4"/>
-                </a:solidFill>
-                <a:latin typeface="Menlo" panose="020B0609030804020204" pitchFamily="49" charset="0"/>
-              </a:rPr>
-              <a:t>(</a:t>
-            </a:r>
-            <a:r>
-              <a:rPr lang="en" altLang="ko-KR" sz="1200" dirty="0" err="1">
-                <a:solidFill>
-                  <a:srgbClr val="D4D4D4"/>
-                </a:solidFill>
-                <a:latin typeface="Menlo" panose="020B0609030804020204" pitchFamily="49" charset="0"/>
-              </a:rPr>
-              <a:t>d_path</a:t>
-            </a:r>
-            <a:r>
-              <a:rPr lang="en" altLang="ko-KR" sz="1200" dirty="0">
-                <a:solidFill>
-                  <a:srgbClr val="D4D4D4"/>
-                </a:solidFill>
-                <a:latin typeface="Menlo" panose="020B0609030804020204" pitchFamily="49" charset="0"/>
-              </a:rPr>
-              <a:t>+</a:t>
-            </a:r>
-            <a:r>
-              <a:rPr lang="en" altLang="ko-KR" sz="1200" dirty="0">
-                <a:solidFill>
-                  <a:srgbClr val="CE9178"/>
-                </a:solidFill>
-                <a:latin typeface="Menlo" panose="020B0609030804020204" pitchFamily="49" charset="0"/>
-              </a:rPr>
-              <a:t>'/</a:t>
-            </a:r>
-            <a:r>
-              <a:rPr lang="en" altLang="ko-KR" sz="1200" dirty="0" err="1">
-                <a:solidFill>
-                  <a:srgbClr val="CE9178"/>
-                </a:solidFill>
-                <a:latin typeface="Menlo" panose="020B0609030804020204" pitchFamily="49" charset="0"/>
-              </a:rPr>
-              <a:t>mammo.npz</a:t>
-            </a:r>
-            <a:r>
-              <a:rPr lang="en" altLang="ko-KR" sz="1200" dirty="0">
-                <a:solidFill>
-                  <a:srgbClr val="CE9178"/>
-                </a:solidFill>
-                <a:latin typeface="Menlo" panose="020B0609030804020204" pitchFamily="49" charset="0"/>
-              </a:rPr>
-              <a:t>'</a:t>
-            </a:r>
-            <a:r>
-              <a:rPr lang="en" altLang="ko-KR" sz="1200" dirty="0">
-                <a:solidFill>
-                  <a:srgbClr val="D4D4D4"/>
-                </a:solidFill>
-                <a:latin typeface="Menlo" panose="020B0609030804020204" pitchFamily="49" charset="0"/>
-              </a:rPr>
-              <a:t>)[</a:t>
-            </a:r>
-            <a:r>
-              <a:rPr lang="en" altLang="ko-KR" sz="1200" dirty="0">
-                <a:solidFill>
-                  <a:srgbClr val="CE9178"/>
-                </a:solidFill>
-                <a:latin typeface="Menlo" panose="020B0609030804020204" pitchFamily="49" charset="0"/>
-              </a:rPr>
-              <a:t>'arr_0'</a:t>
-            </a:r>
-            <a:r>
-              <a:rPr lang="en" altLang="ko-KR" sz="1200" dirty="0">
-                <a:solidFill>
-                  <a:srgbClr val="D4D4D4"/>
-                </a:solidFill>
-                <a:latin typeface="Menlo" panose="020B0609030804020204" pitchFamily="49" charset="0"/>
-              </a:rPr>
-              <a:t>]</a:t>
-            </a:r>
-          </a:p>
-          <a:p>
-            <a:pPr lvl="2"/>
-            <a:r>
-              <a:rPr lang="en" altLang="ko-KR" sz="1200" dirty="0" err="1">
-                <a:solidFill>
-                  <a:srgbClr val="D4D4D4"/>
-                </a:solidFill>
-                <a:latin typeface="Menlo" panose="020B0609030804020204" pitchFamily="49" charset="0"/>
-              </a:rPr>
-              <a:t>data.append</a:t>
-            </a:r>
-            <a:r>
-              <a:rPr lang="en" altLang="ko-KR" sz="1200" dirty="0">
-                <a:solidFill>
-                  <a:srgbClr val="D4D4D4"/>
-                </a:solidFill>
-                <a:latin typeface="Menlo" panose="020B0609030804020204" pitchFamily="49" charset="0"/>
-              </a:rPr>
-              <a:t>(sample)</a:t>
-            </a:r>
-          </a:p>
-          <a:p>
-            <a:pPr lvl="2"/>
-            <a:r>
-              <a:rPr lang="en" altLang="ko-KR" sz="1200" dirty="0">
-                <a:solidFill>
-                  <a:srgbClr val="D4D4D4"/>
-                </a:solidFill>
-                <a:latin typeface="Menlo" panose="020B0609030804020204" pitchFamily="49" charset="0"/>
-              </a:rPr>
-              <a:t>data = </a:t>
-            </a:r>
-            <a:r>
-              <a:rPr lang="en" altLang="ko-KR" sz="1200" dirty="0" err="1">
-                <a:solidFill>
-                  <a:srgbClr val="D4D4D4"/>
-                </a:solidFill>
-                <a:latin typeface="Menlo" panose="020B0609030804020204" pitchFamily="49" charset="0"/>
-              </a:rPr>
-              <a:t>np.array</a:t>
-            </a:r>
-            <a:r>
-              <a:rPr lang="en" altLang="ko-KR" sz="1200" dirty="0">
-                <a:solidFill>
-                  <a:srgbClr val="D4D4D4"/>
-                </a:solidFill>
-                <a:latin typeface="Menlo" panose="020B0609030804020204" pitchFamily="49" charset="0"/>
-              </a:rPr>
-              <a:t>(data) </a:t>
-            </a:r>
-            <a:r>
-              <a:rPr lang="en" altLang="ko-KR" sz="1200" dirty="0">
-                <a:solidFill>
-                  <a:srgbClr val="6A9955"/>
-                </a:solidFill>
-                <a:latin typeface="Menlo" panose="020B0609030804020204" pitchFamily="49" charset="0"/>
-              </a:rPr>
-              <a:t>## list to </a:t>
-            </a:r>
-            <a:r>
-              <a:rPr lang="en" altLang="ko-KR" sz="1200" dirty="0" err="1">
-                <a:solidFill>
-                  <a:srgbClr val="6A9955"/>
-                </a:solidFill>
-                <a:latin typeface="Menlo" panose="020B0609030804020204" pitchFamily="49" charset="0"/>
-              </a:rPr>
-              <a:t>numpy</a:t>
-            </a:r>
-            <a:endParaRPr lang="en" altLang="ko-KR" sz="1200" dirty="0">
-              <a:solidFill>
-                <a:srgbClr val="D4D4D4"/>
-              </a:solidFill>
-              <a:latin typeface="Menlo" panose="020B0609030804020204" pitchFamily="49" charset="0"/>
-            </a:endParaRPr>
-          </a:p>
-          <a:p>
-            <a:pPr lvl="1"/>
-            <a:br>
-              <a:rPr lang="en" altLang="ko-KR" sz="1200" dirty="0">
-                <a:solidFill>
-                  <a:srgbClr val="D4D4D4"/>
-                </a:solidFill>
-                <a:latin typeface="Menlo" panose="020B0609030804020204" pitchFamily="49" charset="0"/>
-              </a:rPr>
-            </a:br>
-            <a:r>
-              <a:rPr lang="en" altLang="ko-KR" sz="1200" dirty="0">
-                <a:solidFill>
-                  <a:srgbClr val="569CD6"/>
-                </a:solidFill>
-                <a:latin typeface="Menlo" panose="020B0609030804020204" pitchFamily="49" charset="0"/>
-              </a:rPr>
-              <a:t>print</a:t>
-            </a:r>
-            <a:r>
-              <a:rPr lang="en" altLang="ko-KR" sz="1200" dirty="0">
-                <a:solidFill>
-                  <a:srgbClr val="D4D4D4"/>
-                </a:solidFill>
-                <a:latin typeface="Menlo" panose="020B0609030804020204" pitchFamily="49" charset="0"/>
-              </a:rPr>
-              <a:t>(</a:t>
-            </a:r>
-            <a:r>
-              <a:rPr lang="en" altLang="ko-KR" sz="1200" dirty="0">
-                <a:solidFill>
-                  <a:srgbClr val="CE9178"/>
-                </a:solidFill>
-                <a:latin typeface="Menlo" panose="020B0609030804020204" pitchFamily="49" charset="0"/>
-              </a:rPr>
-              <a:t>'Dataset Reading Success </a:t>
-            </a:r>
-            <a:r>
-              <a:rPr lang="en" altLang="ko-KR" sz="1200" dirty="0">
-                <a:solidFill>
-                  <a:srgbClr val="D7BA7D"/>
-                </a:solidFill>
-                <a:latin typeface="Menlo" panose="020B0609030804020204" pitchFamily="49" charset="0"/>
-              </a:rPr>
-              <a:t>\n</a:t>
-            </a:r>
-            <a:r>
-              <a:rPr lang="en" altLang="ko-KR" sz="1200" dirty="0">
-                <a:solidFill>
-                  <a:srgbClr val="CE9178"/>
-                </a:solidFill>
-                <a:latin typeface="Menlo" panose="020B0609030804020204" pitchFamily="49" charset="0"/>
-              </a:rPr>
-              <a:t> Reading time'</a:t>
-            </a:r>
-            <a:r>
-              <a:rPr lang="en" altLang="ko-KR" sz="1200" dirty="0">
-                <a:solidFill>
-                  <a:srgbClr val="D4D4D4"/>
-                </a:solidFill>
-                <a:latin typeface="Menlo" panose="020B0609030804020204" pitchFamily="49" charset="0"/>
-              </a:rPr>
-              <a:t>,</a:t>
-            </a:r>
-            <a:r>
-              <a:rPr lang="en" altLang="ko-KR" sz="1200" dirty="0" err="1">
-                <a:solidFill>
-                  <a:srgbClr val="D4D4D4"/>
-                </a:solidFill>
-                <a:latin typeface="Menlo" panose="020B0609030804020204" pitchFamily="49" charset="0"/>
-              </a:rPr>
-              <a:t>time.time</a:t>
-            </a:r>
-            <a:r>
-              <a:rPr lang="en" altLang="ko-KR" sz="1200" dirty="0">
-                <a:solidFill>
-                  <a:srgbClr val="D4D4D4"/>
-                </a:solidFill>
-                <a:latin typeface="Menlo" panose="020B0609030804020204" pitchFamily="49" charset="0"/>
-              </a:rPr>
-              <a:t>()-</a:t>
-            </a:r>
-            <a:r>
-              <a:rPr lang="en" altLang="ko-KR" sz="1200" dirty="0" err="1">
-                <a:solidFill>
-                  <a:srgbClr val="D4D4D4"/>
-                </a:solidFill>
-                <a:latin typeface="Menlo" panose="020B0609030804020204" pitchFamily="49" charset="0"/>
-              </a:rPr>
-              <a:t>t,</a:t>
-            </a:r>
-            <a:r>
-              <a:rPr lang="en" altLang="ko-KR" sz="1200" dirty="0" err="1">
-                <a:solidFill>
-                  <a:srgbClr val="CE9178"/>
-                </a:solidFill>
-                <a:latin typeface="Menlo" panose="020B0609030804020204" pitchFamily="49" charset="0"/>
-              </a:rPr>
-              <a:t>'sec</a:t>
-            </a:r>
-            <a:r>
-              <a:rPr lang="en" altLang="ko-KR" sz="1200" dirty="0">
-                <a:solidFill>
-                  <a:srgbClr val="CE9178"/>
-                </a:solidFill>
-                <a:latin typeface="Menlo" panose="020B0609030804020204" pitchFamily="49" charset="0"/>
-              </a:rPr>
-              <a:t>'</a:t>
-            </a:r>
-            <a:r>
-              <a:rPr lang="en" altLang="ko-KR" sz="1200" dirty="0">
-                <a:solidFill>
-                  <a:srgbClr val="D4D4D4"/>
-                </a:solidFill>
-                <a:latin typeface="Menlo" panose="020B0609030804020204" pitchFamily="49" charset="0"/>
-              </a:rPr>
-              <a:t>)</a:t>
-            </a:r>
-          </a:p>
-          <a:p>
-            <a:pPr lvl="1"/>
-            <a:r>
-              <a:rPr lang="en" altLang="ko-KR" sz="1200" dirty="0">
-                <a:solidFill>
-                  <a:srgbClr val="569CD6"/>
-                </a:solidFill>
-                <a:latin typeface="Menlo" panose="020B0609030804020204" pitchFamily="49" charset="0"/>
-              </a:rPr>
-              <a:t>print</a:t>
-            </a:r>
-            <a:r>
-              <a:rPr lang="en" altLang="ko-KR" sz="1200" dirty="0">
-                <a:solidFill>
-                  <a:srgbClr val="D4D4D4"/>
-                </a:solidFill>
-                <a:latin typeface="Menlo" panose="020B0609030804020204" pitchFamily="49" charset="0"/>
-              </a:rPr>
-              <a:t>(</a:t>
-            </a:r>
-            <a:r>
-              <a:rPr lang="en" altLang="ko-KR" sz="1200" dirty="0">
-                <a:solidFill>
-                  <a:srgbClr val="CE9178"/>
-                </a:solidFill>
-                <a:latin typeface="Menlo" panose="020B0609030804020204" pitchFamily="49" charset="0"/>
-              </a:rPr>
-              <a:t>'Dataset:'</a:t>
-            </a:r>
-            <a:r>
-              <a:rPr lang="en" altLang="ko-KR" sz="1200" dirty="0">
-                <a:solidFill>
-                  <a:srgbClr val="D4D4D4"/>
-                </a:solidFill>
-                <a:latin typeface="Menlo" panose="020B0609030804020204" pitchFamily="49" charset="0"/>
-              </a:rPr>
-              <a:t>,data.shape,</a:t>
-            </a:r>
-            <a:r>
-              <a:rPr lang="en" altLang="ko-KR" sz="1200" dirty="0">
-                <a:solidFill>
-                  <a:srgbClr val="CE9178"/>
-                </a:solidFill>
-                <a:latin typeface="Menlo" panose="020B0609030804020204" pitchFamily="49" charset="0"/>
-              </a:rPr>
-              <a:t>'</a:t>
-            </a:r>
-            <a:r>
-              <a:rPr lang="en" altLang="ko-KR" sz="1200" dirty="0" err="1">
-                <a:solidFill>
-                  <a:srgbClr val="CE9178"/>
-                </a:solidFill>
-                <a:latin typeface="Menlo" panose="020B0609030804020204" pitchFamily="49" charset="0"/>
-              </a:rPr>
-              <a:t>np.array.shape</a:t>
-            </a:r>
-            <a:r>
-              <a:rPr lang="en" altLang="ko-KR" sz="1200" dirty="0">
-                <a:solidFill>
-                  <a:srgbClr val="CE9178"/>
-                </a:solidFill>
-                <a:latin typeface="Menlo" panose="020B0609030804020204" pitchFamily="49" charset="0"/>
-              </a:rPr>
-              <a:t>(files, views, width, height)'</a:t>
-            </a:r>
-            <a:r>
-              <a:rPr lang="en" altLang="ko-KR" sz="1200" dirty="0">
-                <a:solidFill>
-                  <a:srgbClr val="D4D4D4"/>
-                </a:solidFill>
-                <a:latin typeface="Menlo" panose="020B0609030804020204" pitchFamily="49" charset="0"/>
-              </a:rPr>
-              <a:t>)</a:t>
-            </a:r>
-          </a:p>
-          <a:p>
-            <a:pPr lvl="1"/>
-            <a:br>
-              <a:rPr lang="en" altLang="ko-KR" sz="1200" dirty="0">
-                <a:solidFill>
-                  <a:srgbClr val="D4D4D4"/>
-                </a:solidFill>
-                <a:latin typeface="Menlo" panose="020B0609030804020204" pitchFamily="49" charset="0"/>
-              </a:rPr>
-            </a:br>
-            <a:r>
-              <a:rPr lang="en" altLang="ko-KR" sz="1200" dirty="0">
-                <a:solidFill>
-                  <a:srgbClr val="C586C0"/>
-                </a:solidFill>
-                <a:latin typeface="Menlo" panose="020B0609030804020204" pitchFamily="49" charset="0"/>
-              </a:rPr>
               <a:t>return</a:t>
             </a:r>
             <a:r>
-              <a:rPr lang="en" altLang="ko-KR" sz="1200" dirty="0">
+              <a:rPr lang="en" altLang="ko-KR" sz="1400" dirty="0">
                 <a:solidFill>
                   <a:srgbClr val="D4D4D4"/>
                 </a:solidFill>
@@ -8236,8 +8150,8 @@
           </a:p>
         </p:txBody>
       </p:sp>
-      <mc:AlternateContent xmlns:mc="http://schemas.openxmlformats.org/markup-compatibility/2006">
-        <mc:Choice xmlns:a14="http://schemas.microsoft.com/office/drawing/2010/main" Requires="a14">
+      <mc:AlternateContent xmlns:mc="http://schemas.openxmlformats.org/markup-compatibility/2006" xmlns:a14="http://schemas.microsoft.com/office/drawing/2010/main">
+        <mc:Choice Requires="a14">
           <p:sp>
             <p:nvSpPr>
               <p:cNvPr id="3" name="내용 개체 틀 2">
@@ -8608,7 +8522,7 @@
             </p:txBody>
           </p:sp>
         </mc:Choice>
-        <mc:Fallback>
+        <mc:Fallback xmlns="">
           <p:sp>
             <p:nvSpPr>
               <p:cNvPr id="3" name="내용 개체 틀 2">

--- a/introduction.pptx
+++ b/introduction.pptx
@@ -6960,7 +6960,7 @@
                 </a:solidFill>
                 <a:latin typeface="Menlo" panose="020B0609030804020204" pitchFamily="49" charset="0"/>
               </a:rPr>
-              <a:t>'each of which 0~2'</a:t>
+              <a:t>'each of which 0~2’</a:t>
             </a:r>
             <a:r>
               <a:rPr lang="en" altLang="ko-KR" sz="1400" dirty="0">
@@ -6973,6 +6973,7 @@
             </a:r>
           </a:p>
           <a:p>
+            <a:pPr lvl="1"/>
             <a:r>
               <a:rPr lang="en" altLang="ko-KR" sz="1400" dirty="0">
                 <a:solidFill>
@@ -6989,8 +6990,23 @@
                 </a:solidFill>
                 <a:latin typeface="Menlo" panose="020B0609030804020204" pitchFamily="49" charset="0"/>
               </a:rPr>
-              <a:t> data, labels</a:t>
-            </a:r>
+              <a:t> data</a:t>
+            </a:r>
+            <a:r>
+              <a:rPr lang="en" altLang="ko-KR" sz="1400">
+                <a:solidFill>
+                  <a:srgbClr val="D4D4D4"/>
+                </a:solidFill>
+                <a:latin typeface="Menlo" panose="020B0609030804020204" pitchFamily="49" charset="0"/>
+              </a:rPr>
+              <a:t>, labels</a:t>
+            </a:r>
+            <a:endParaRPr lang="en" altLang="ko-KR" sz="1400" dirty="0">
+              <a:solidFill>
+                <a:srgbClr val="D4D4D4"/>
+              </a:solidFill>
+              <a:latin typeface="Menlo" panose="020B0609030804020204" pitchFamily="49" charset="0"/>
+            </a:endParaRPr>
           </a:p>
         </p:txBody>
       </p:sp>

--- a/introduction.pptx
+++ b/introduction.pptx
@@ -5,10 +5,10 @@
     <p:sldMasterId id="2147483654" r:id="rId1"/>
   </p:sldMasterIdLst>
   <p:notesMasterIdLst>
-    <p:notesMasterId r:id="rId11"/>
+    <p:notesMasterId r:id="rId12"/>
   </p:notesMasterIdLst>
   <p:handoutMasterIdLst>
-    <p:handoutMasterId r:id="rId12"/>
+    <p:handoutMasterId r:id="rId13"/>
   </p:handoutMasterIdLst>
   <p:sldIdLst>
     <p:sldId id="262" r:id="rId2"/>
@@ -20,6 +20,7 @@
     <p:sldId id="303" r:id="rId8"/>
     <p:sldId id="302" r:id="rId9"/>
     <p:sldId id="305" r:id="rId10"/>
+    <p:sldId id="306" r:id="rId11"/>
   </p:sldIdLst>
   <p:sldSz cx="9144000" cy="6858000" type="screen4x3"/>
   <p:notesSz cx="6858000" cy="9144000"/>
@@ -223,7 +224,7 @@
           <a:p>
             <a:fld id="{22B9693C-A326-BA4F-8207-E39ACD296F47}" type="datetimeFigureOut">
               <a:rPr kumimoji="1" lang="ko-KR" altLang="en-US" smtClean="0"/>
-              <a:t>2019. 11. 27.</a:t>
+              <a:t>2019. 11. 29.</a:t>
             </a:fld>
             <a:endParaRPr kumimoji="1" lang="ko-KR" altLang="en-US"/>
           </a:p>
@@ -401,7 +402,7 @@
           <a:p>
             <a:fld id="{0A0F64C6-8219-F34B-90E9-7C85A5B36FBF}" type="datetimeFigureOut">
               <a:rPr kumimoji="1" lang="ko-KR" altLang="en-US" smtClean="0"/>
-              <a:t>2019. 11. 27.</a:t>
+              <a:t>2019. 11. 29.</a:t>
             </a:fld>
             <a:endParaRPr kumimoji="1" lang="ko-KR" altLang="en-US"/>
           </a:p>
@@ -2084,9 +2085,6 @@
             <a:br>
               <a:rPr kumimoji="1" lang="en-US" altLang="ko-KR" sz="4400" b="1" dirty="0"/>
             </a:br>
-            <a:br>
-              <a:rPr kumimoji="1" lang="en-US" altLang="ko-KR" sz="4400" b="1" dirty="0"/>
-            </a:br>
             <a:r>
               <a:rPr kumimoji="1" lang="ko-KR" altLang="en-US" sz="4400" b="1" dirty="0"/>
               <a:t>유방 촬영 영상 이미지 데이터</a:t>
@@ -2098,6 +2096,237 @@
     <p:extLst>
       <p:ext uri="{BB962C8B-B14F-4D97-AF65-F5344CB8AC3E}">
         <p14:creationId xmlns:p14="http://schemas.microsoft.com/office/powerpoint/2010/main" val="1090032260"/>
+      </p:ext>
+    </p:extLst>
+  </p:cSld>
+  <p:clrMapOvr>
+    <a:masterClrMapping/>
+  </p:clrMapOvr>
+</p:sld>
+</file>
+
+<file path=ppt/slides/slide10.xml><?xml version="1.0" encoding="utf-8"?>
+<p:sld xmlns:a="http://schemas.openxmlformats.org/drawingml/2006/main" xmlns:r="http://schemas.openxmlformats.org/officeDocument/2006/relationships" xmlns:p="http://schemas.openxmlformats.org/presentationml/2006/main">
+  <p:cSld>
+    <p:spTree>
+      <p:nvGrpSpPr>
+        <p:cNvPr id="1" name=""/>
+        <p:cNvGrpSpPr/>
+        <p:nvPr/>
+      </p:nvGrpSpPr>
+      <p:grpSpPr>
+        <a:xfrm>
+          <a:off x="0" y="0"/>
+          <a:ext cx="0" cy="0"/>
+          <a:chOff x="0" y="0"/>
+          <a:chExt cx="0" cy="0"/>
+        </a:xfrm>
+      </p:grpSpPr>
+      <p:sp>
+        <p:nvSpPr>
+          <p:cNvPr id="2" name="슬라이드 번호 개체 틀 1">
+            <a:extLst>
+              <a:ext uri="{FF2B5EF4-FFF2-40B4-BE49-F238E27FC236}">
+                <a16:creationId xmlns:a16="http://schemas.microsoft.com/office/drawing/2014/main" id="{EBACB8E0-E06E-7B48-B5DA-88F3EF96A626}"/>
+              </a:ext>
+            </a:extLst>
+          </p:cNvPr>
+          <p:cNvSpPr>
+            <a:spLocks noGrp="1"/>
+          </p:cNvSpPr>
+          <p:nvPr>
+            <p:ph type="sldNum" sz="quarter" idx="4"/>
+          </p:nvPr>
+        </p:nvSpPr>
+        <p:spPr/>
+        <p:txBody>
+          <a:bodyPr/>
+          <a:lstStyle/>
+          <a:p>
+            <a:fld id="{901A588E-0A4E-2147-A907-2A65A79207E5}" type="slidenum">
+              <a:rPr kumimoji="1" lang="ko-KR" altLang="en-US" smtClean="0"/>
+              <a:pPr/>
+              <a:t>10</a:t>
+            </a:fld>
+            <a:endParaRPr kumimoji="1" lang="ko-KR" altLang="en-US"/>
+          </a:p>
+        </p:txBody>
+      </p:sp>
+      <p:sp>
+        <p:nvSpPr>
+          <p:cNvPr id="3" name="내용 개체 틀 2">
+            <a:extLst>
+              <a:ext uri="{FF2B5EF4-FFF2-40B4-BE49-F238E27FC236}">
+                <a16:creationId xmlns:a16="http://schemas.microsoft.com/office/drawing/2014/main" id="{1E7AF317-97A0-CE4A-AE2F-2B4022290CBB}"/>
+              </a:ext>
+            </a:extLst>
+          </p:cNvPr>
+          <p:cNvSpPr>
+            <a:spLocks noGrp="1"/>
+          </p:cNvSpPr>
+          <p:nvPr>
+            <p:ph sz="quarter" idx="10"/>
+          </p:nvPr>
+        </p:nvSpPr>
+        <p:spPr/>
+        <p:txBody>
+          <a:bodyPr/>
+          <a:lstStyle/>
+          <a:p>
+            <a:r>
+              <a:rPr kumimoji="1" lang="en-US" altLang="ko-KR" dirty="0"/>
+              <a:t>KHD2019 – </a:t>
+            </a:r>
+            <a:r>
+              <a:rPr kumimoji="1" lang="ko-KR" altLang="en-US" dirty="0" err="1"/>
+              <a:t>국립암센터</a:t>
+            </a:r>
+            <a:r>
+              <a:rPr kumimoji="1" lang="ko-KR" altLang="en-US" dirty="0"/>
+              <a:t> 인공지능사업팀 </a:t>
+            </a:r>
+            <a:r>
+              <a:rPr kumimoji="1" lang="en-US" altLang="ko-KR" dirty="0" err="1"/>
+              <a:t>github</a:t>
+            </a:r>
+            <a:endParaRPr kumimoji="1" lang="en-US" altLang="ko-KR" dirty="0"/>
+          </a:p>
+          <a:p>
+            <a:pPr lvl="1"/>
+            <a:r>
+              <a:rPr lang="en" altLang="ko-KR" dirty="0">
+                <a:hlinkClick r:id="rId2">
+                  <a:extLst>
+                    <a:ext uri="{A12FA001-AC4F-418D-AE19-62706E023703}">
+                      <ahyp:hlinkClr xmlns:ahyp="http://schemas.microsoft.com/office/drawing/2018/hyperlinkcolor" val="tx"/>
+                    </a:ext>
+                  </a:extLst>
+                </a:hlinkClick>
+              </a:rPr>
+              <a:t>https://github.com/</a:t>
+            </a:r>
+            <a:r>
+              <a:rPr lang="en" altLang="ko-KR" sz="2800" dirty="0">
+                <a:solidFill>
+                  <a:srgbClr val="0070C0"/>
+                </a:solidFill>
+                <a:hlinkClick r:id="rId2">
+                  <a:extLst>
+                    <a:ext uri="{A12FA001-AC4F-418D-AE19-62706E023703}">
+                      <ahyp:hlinkClr xmlns:ahyp="http://schemas.microsoft.com/office/drawing/2018/hyperlinkcolor" val="tx"/>
+                    </a:ext>
+                  </a:extLst>
+                </a:hlinkClick>
+              </a:rPr>
+              <a:t>nccaiteam</a:t>
+            </a:r>
+            <a:r>
+              <a:rPr lang="en" altLang="ko-KR" dirty="0">
+                <a:hlinkClick r:id="rId2">
+                  <a:extLst>
+                    <a:ext uri="{A12FA001-AC4F-418D-AE19-62706E023703}">
+                      <ahyp:hlinkClr xmlns:ahyp="http://schemas.microsoft.com/office/drawing/2018/hyperlinkcolor" val="tx"/>
+                    </a:ext>
+                  </a:extLst>
+                </a:hlinkClick>
+              </a:rPr>
+              <a:t>/KHD2019_MAMMO</a:t>
+            </a:r>
+            <a:endParaRPr lang="en" altLang="ko-KR" dirty="0"/>
+          </a:p>
+          <a:p>
+            <a:pPr lvl="1"/>
+            <a:r>
+              <a:rPr lang="ko-KR" altLang="en-US" dirty="0" err="1"/>
+              <a:t>소개자료</a:t>
+            </a:r>
+            <a:r>
+              <a:rPr lang="en-US" altLang="ko-KR" dirty="0"/>
+              <a:t>,</a:t>
+            </a:r>
+            <a:r>
+              <a:rPr lang="ko-KR" altLang="en-US" dirty="0"/>
+              <a:t> 코드 </a:t>
+            </a:r>
+            <a:r>
+              <a:rPr lang="en-US" altLang="ko-KR" dirty="0"/>
+              <a:t>(</a:t>
+            </a:r>
+            <a:r>
+              <a:rPr lang="en-US" altLang="ko-KR" dirty="0" err="1"/>
+              <a:t>keras</a:t>
+            </a:r>
+            <a:r>
+              <a:rPr lang="en-US" altLang="ko-KR" dirty="0"/>
+              <a:t>/</a:t>
+            </a:r>
+            <a:r>
+              <a:rPr lang="en-US" altLang="ko-KR" dirty="0" err="1"/>
+              <a:t>pytorch</a:t>
+            </a:r>
+            <a:r>
+              <a:rPr lang="en-US" altLang="ko-KR"/>
+              <a:t>),</a:t>
+            </a:r>
+            <a:r>
+              <a:rPr lang="ko-KR" altLang="en-US" dirty="0"/>
+              <a:t> 코드 설명 </a:t>
+            </a:r>
+            <a:endParaRPr lang="en-US" altLang="ko-KR" dirty="0"/>
+          </a:p>
+          <a:p>
+            <a:r>
+              <a:rPr kumimoji="1" lang="en-US" altLang="ko-KR" dirty="0"/>
+              <a:t>F1-score: Multiclass </a:t>
+            </a:r>
+          </a:p>
+          <a:p>
+            <a:pPr lvl="1"/>
+            <a:r>
+              <a:rPr lang="en" altLang="ko-KR" dirty="0">
+                <a:hlinkClick r:id="rId3"/>
+              </a:rPr>
+              <a:t>https://towardsdatascience.com/multi-class-metrics-made-simple-part-ii-the-f1-score-ebe8b2c2ca1</a:t>
+            </a:r>
+            <a:endParaRPr lang="en" altLang="ko-KR" dirty="0"/>
+          </a:p>
+          <a:p>
+            <a:endParaRPr kumimoji="1" lang="ko-KR" altLang="en-US" dirty="0"/>
+          </a:p>
+        </p:txBody>
+      </p:sp>
+      <p:sp>
+        <p:nvSpPr>
+          <p:cNvPr id="4" name="제목 3">
+            <a:extLst>
+              <a:ext uri="{FF2B5EF4-FFF2-40B4-BE49-F238E27FC236}">
+                <a16:creationId xmlns:a16="http://schemas.microsoft.com/office/drawing/2014/main" id="{813BB087-6916-C44A-BA8C-8599E3943094}"/>
+              </a:ext>
+            </a:extLst>
+          </p:cNvPr>
+          <p:cNvSpPr>
+            <a:spLocks noGrp="1"/>
+          </p:cNvSpPr>
+          <p:nvPr>
+            <p:ph type="title"/>
+          </p:nvPr>
+        </p:nvSpPr>
+        <p:spPr/>
+        <p:txBody>
+          <a:bodyPr/>
+          <a:lstStyle/>
+          <a:p>
+            <a:r>
+              <a:rPr kumimoji="1" lang="ko-KR" altLang="en-US" dirty="0"/>
+              <a:t>참고 사이트</a:t>
+            </a:r>
+          </a:p>
+        </p:txBody>
+      </p:sp>
+    </p:spTree>
+    <p:extLst>
+      <p:ext uri="{BB962C8B-B14F-4D97-AF65-F5344CB8AC3E}">
+        <p14:creationId xmlns:p14="http://schemas.microsoft.com/office/powerpoint/2010/main" val="805983944"/>
       </p:ext>
     </p:extLst>
   </p:cSld>
@@ -8166,8 +8395,8 @@
           </a:p>
         </p:txBody>
       </p:sp>
-      <mc:AlternateContent xmlns:mc="http://schemas.openxmlformats.org/markup-compatibility/2006" xmlns:a14="http://schemas.microsoft.com/office/drawing/2010/main">
-        <mc:Choice Requires="a14">
+      <mc:AlternateContent xmlns:mc="http://schemas.openxmlformats.org/markup-compatibility/2006">
+        <mc:Choice xmlns:a14="http://schemas.microsoft.com/office/drawing/2010/main" Requires="a14">
           <p:sp>
             <p:nvSpPr>
               <p:cNvPr id="3" name="내용 개체 틀 2">
@@ -8190,10 +8419,17 @@
               <a:lstStyle/>
               <a:p>
                 <a:r>
-                  <a:rPr kumimoji="1" lang="en-US" altLang="ko-KR" dirty="0"/>
+                  <a:rPr kumimoji="1" lang="en-US" altLang="ko-KR" b="1" dirty="0">
+                    <a:solidFill>
+                      <a:srgbClr val="0070C0"/>
+                    </a:solidFill>
+                  </a:rPr>
                   <a:t>F1 Score</a:t>
                 </a:r>
-                <a:endParaRPr kumimoji="1" lang="en-US" altLang="ko-KR" dirty="0">
+                <a:endParaRPr kumimoji="1" lang="en-US" altLang="ko-KR" b="1" dirty="0">
+                  <a:solidFill>
+                    <a:srgbClr val="0070C0"/>
+                  </a:solidFill>
                   <a:highlight>
                     <a:srgbClr val="FFFF00"/>
                   </a:highlight>
@@ -8234,13 +8470,13 @@
                     </m:oMathParaPr>
                     <m:oMath xmlns:m="http://schemas.openxmlformats.org/officeDocument/2006/math">
                       <m:r>
-                        <a:rPr kumimoji="1" lang="en-US" altLang="ko-KR" sz="2000" i="1">
+                        <a:rPr kumimoji="1" lang="en-US" altLang="ko-KR" sz="1600" i="1">
                           <a:latin typeface="Cambria Math" panose="02040503050406030204" pitchFamily="18" charset="0"/>
                         </a:rPr>
                         <m:t>𝐹</m:t>
                       </m:r>
                       <m:r>
-                        <a:rPr kumimoji="1" lang="en-US" altLang="ko-KR" sz="2000" i="1">
+                        <a:rPr kumimoji="1" lang="en-US" altLang="ko-KR" sz="1600" i="1">
                           <a:latin typeface="Cambria Math" panose="02040503050406030204" pitchFamily="18" charset="0"/>
                         </a:rPr>
                         <m:t>1=2∗</m:t>
@@ -8248,26 +8484,26 @@
                       <m:f>
                         <m:fPr>
                           <m:ctrlPr>
-                            <a:rPr kumimoji="1" lang="en-US" altLang="ko-KR" sz="2000" i="1">
+                            <a:rPr kumimoji="1" lang="en-US" altLang="ko-KR" sz="1600" i="1">
                               <a:latin typeface="Cambria Math" panose="02040503050406030204" pitchFamily="18" charset="0"/>
                             </a:rPr>
                           </m:ctrlPr>
                         </m:fPr>
                         <m:num>
                           <m:r>
-                            <a:rPr kumimoji="1" lang="en-US" altLang="ko-KR" sz="2000" i="1">
+                            <a:rPr kumimoji="1" lang="en-US" altLang="ko-KR" sz="1600" i="1">
                               <a:latin typeface="Cambria Math" panose="02040503050406030204" pitchFamily="18" charset="0"/>
                             </a:rPr>
                             <m:t>𝑃𝑟𝑒𝑐𝑖𝑠𝑖𝑜𝑛</m:t>
                           </m:r>
                           <m:r>
-                            <a:rPr kumimoji="1" lang="en-US" altLang="ko-KR" sz="2000" i="1">
+                            <a:rPr kumimoji="1" lang="en-US" altLang="ko-KR" sz="1600" i="1">
                               <a:latin typeface="Cambria Math" panose="02040503050406030204" pitchFamily="18" charset="0"/>
                             </a:rPr>
                             <m:t> ∗</m:t>
                           </m:r>
                           <m:r>
-                            <a:rPr kumimoji="1" lang="en-US" altLang="ko-KR" sz="2000" i="1">
+                            <a:rPr kumimoji="1" lang="en-US" altLang="ko-KR" sz="1600" i="1">
                               <a:latin typeface="Cambria Math" panose="02040503050406030204" pitchFamily="18" charset="0"/>
                             </a:rPr>
                             <m:t>𝑅𝑒𝑐𝑎𝑙𝑙</m:t>
@@ -8275,19 +8511,19 @@
                         </m:num>
                         <m:den>
                           <m:r>
-                            <a:rPr kumimoji="1" lang="en-US" altLang="ko-KR" sz="2000" i="1">
+                            <a:rPr kumimoji="1" lang="en-US" altLang="ko-KR" sz="1600" i="1">
                               <a:latin typeface="Cambria Math" panose="02040503050406030204" pitchFamily="18" charset="0"/>
                             </a:rPr>
                             <m:t>𝑃𝑟𝑒𝑐𝑖𝑠𝑖𝑜𝑛</m:t>
                           </m:r>
                           <m:r>
-                            <a:rPr kumimoji="1" lang="en-US" altLang="ko-KR" sz="2000" i="1">
+                            <a:rPr kumimoji="1" lang="en-US" altLang="ko-KR" sz="1600" i="1">
                               <a:latin typeface="Cambria Math" panose="02040503050406030204" pitchFamily="18" charset="0"/>
                             </a:rPr>
                             <m:t>+</m:t>
                           </m:r>
                           <m:r>
-                            <a:rPr kumimoji="1" lang="en-US" altLang="ko-KR" sz="2000" i="1">
+                            <a:rPr kumimoji="1" lang="en-US" altLang="ko-KR" sz="1600" i="1">
                               <a:latin typeface="Cambria Math" panose="02040503050406030204" pitchFamily="18" charset="0"/>
                             </a:rPr>
                             <m:t>𝑅𝑒𝑐𝑎𝑙𝑙</m:t>
@@ -8362,13 +8598,13 @@
                     </m:oMathParaPr>
                     <m:oMath xmlns:m="http://schemas.openxmlformats.org/officeDocument/2006/math">
                       <m:r>
-                        <a:rPr kumimoji="1" lang="en-US" altLang="ko-KR" i="1">
+                        <a:rPr kumimoji="1" lang="en-US" altLang="ko-KR" sz="1600" i="1">
                           <a:latin typeface="Cambria Math" panose="02040503050406030204" pitchFamily="18" charset="0"/>
                         </a:rPr>
                         <m:t>𝑅𝑒𝑐𝑎𝑙𝑙</m:t>
                       </m:r>
                       <m:r>
-                        <a:rPr kumimoji="1" lang="en-US" altLang="ko-KR" i="1">
+                        <a:rPr kumimoji="1" lang="en-US" altLang="ko-KR" sz="1600" i="1">
                           <a:latin typeface="Cambria Math" panose="02040503050406030204" pitchFamily="18" charset="0"/>
                         </a:rPr>
                         <m:t>=</m:t>
@@ -8376,14 +8612,14 @@
                       <m:f>
                         <m:fPr>
                           <m:ctrlPr>
-                            <a:rPr kumimoji="1" lang="en-US" altLang="ko-KR" i="1">
+                            <a:rPr kumimoji="1" lang="en-US" altLang="ko-KR" sz="1600" i="1">
                               <a:latin typeface="Cambria Math" panose="02040503050406030204" pitchFamily="18" charset="0"/>
                             </a:rPr>
                           </m:ctrlPr>
                         </m:fPr>
                         <m:num>
                           <m:r>
-                            <a:rPr kumimoji="1" lang="en-US" altLang="ko-KR" i="1">
+                            <a:rPr kumimoji="1" lang="en-US" altLang="ko-KR" sz="1600" i="1">
                               <a:latin typeface="Cambria Math" panose="02040503050406030204" pitchFamily="18" charset="0"/>
                             </a:rPr>
                             <m:t>𝑇𝑃</m:t>
@@ -8391,19 +8627,19 @@
                         </m:num>
                         <m:den>
                           <m:r>
-                            <a:rPr kumimoji="1" lang="en-US" altLang="ko-KR" i="1">
+                            <a:rPr kumimoji="1" lang="en-US" altLang="ko-KR" sz="1600" i="1">
                               <a:latin typeface="Cambria Math" panose="02040503050406030204" pitchFamily="18" charset="0"/>
                             </a:rPr>
                             <m:t>𝑇𝑃</m:t>
                           </m:r>
                           <m:r>
-                            <a:rPr kumimoji="1" lang="en-US" altLang="ko-KR" i="1">
+                            <a:rPr kumimoji="1" lang="en-US" altLang="ko-KR" sz="1600" i="1">
                               <a:latin typeface="Cambria Math" panose="02040503050406030204" pitchFamily="18" charset="0"/>
                             </a:rPr>
                             <m:t>+</m:t>
                           </m:r>
                           <m:r>
-                            <a:rPr kumimoji="1" lang="en-US" altLang="ko-KR" i="1">
+                            <a:rPr kumimoji="1" lang="en-US" altLang="ko-KR" sz="1600" i="1">
                               <a:latin typeface="Cambria Math" panose="02040503050406030204" pitchFamily="18" charset="0"/>
                             </a:rPr>
                             <m:t>𝐹𝑁</m:t>
@@ -8482,13 +8718,13 @@
                     </m:oMathParaPr>
                     <m:oMath xmlns:m="http://schemas.openxmlformats.org/officeDocument/2006/math">
                       <m:r>
-                        <a:rPr kumimoji="1" lang="en-US" altLang="ko-KR" sz="2000" b="0" i="1" smtClean="0">
+                        <a:rPr kumimoji="1" lang="en-US" altLang="ko-KR" sz="1600" b="0" i="1" smtClean="0">
                           <a:latin typeface="Cambria Math" panose="02040503050406030204" pitchFamily="18" charset="0"/>
                         </a:rPr>
                         <m:t>𝑃𝑟𝑒𝑐𝑖𝑠𝑖𝑜𝑛</m:t>
                       </m:r>
                       <m:r>
-                        <a:rPr kumimoji="1" lang="en-US" altLang="ko-KR" sz="2000" i="1">
+                        <a:rPr kumimoji="1" lang="en-US" altLang="ko-KR" sz="1600" i="1">
                           <a:latin typeface="Cambria Math" panose="02040503050406030204" pitchFamily="18" charset="0"/>
                         </a:rPr>
                         <m:t>=</m:t>
@@ -8496,14 +8732,14 @@
                       <m:f>
                         <m:fPr>
                           <m:ctrlPr>
-                            <a:rPr kumimoji="1" lang="en-US" altLang="ko-KR" sz="2000" i="1">
+                            <a:rPr kumimoji="1" lang="en-US" altLang="ko-KR" sz="1600" i="1">
                               <a:latin typeface="Cambria Math" panose="02040503050406030204" pitchFamily="18" charset="0"/>
                             </a:rPr>
                           </m:ctrlPr>
                         </m:fPr>
                         <m:num>
                           <m:r>
-                            <a:rPr kumimoji="1" lang="en-US" altLang="ko-KR" sz="2000" i="1">
+                            <a:rPr kumimoji="1" lang="en-US" altLang="ko-KR" sz="1600" i="1">
                               <a:latin typeface="Cambria Math" panose="02040503050406030204" pitchFamily="18" charset="0"/>
                             </a:rPr>
                             <m:t>𝑇𝑃</m:t>
@@ -8511,19 +8747,19 @@
                         </m:num>
                         <m:den>
                           <m:r>
-                            <a:rPr kumimoji="1" lang="en-US" altLang="ko-KR" sz="2000" i="1">
+                            <a:rPr kumimoji="1" lang="en-US" altLang="ko-KR" sz="1600" i="1">
                               <a:latin typeface="Cambria Math" panose="02040503050406030204" pitchFamily="18" charset="0"/>
                             </a:rPr>
                             <m:t>𝑇𝑃</m:t>
                           </m:r>
                           <m:r>
-                            <a:rPr kumimoji="1" lang="en-US" altLang="ko-KR" sz="2000" i="1">
+                            <a:rPr kumimoji="1" lang="en-US" altLang="ko-KR" sz="1600" i="1">
                               <a:latin typeface="Cambria Math" panose="02040503050406030204" pitchFamily="18" charset="0"/>
                             </a:rPr>
                             <m:t>+</m:t>
                           </m:r>
                           <m:r>
-                            <a:rPr kumimoji="1" lang="en-US" altLang="ko-KR" sz="2000" b="0" i="1" smtClean="0">
+                            <a:rPr kumimoji="1" lang="en-US" altLang="ko-KR" sz="1600" b="0" i="1" smtClean="0">
                               <a:latin typeface="Cambria Math" panose="02040503050406030204" pitchFamily="18" charset="0"/>
                             </a:rPr>
                             <m:t>𝐹𝑃</m:t>
@@ -8535,10 +8771,70 @@
                 </a14:m>
                 <a:endParaRPr kumimoji="1" lang="en-US" altLang="ko-KR" sz="2000" i="1" dirty="0"/>
               </a:p>
+              <a:p>
+                <a:pPr/>
+                <a:r>
+                  <a:rPr kumimoji="1" lang="ko-KR" altLang="en-US" b="1" dirty="0">
+                    <a:solidFill>
+                      <a:srgbClr val="0070C0"/>
+                    </a:solidFill>
+                  </a:rPr>
+                  <a:t>성실도</a:t>
+                </a:r>
+                <a:endParaRPr kumimoji="1" lang="en-US" altLang="ko-KR" b="1" dirty="0">
+                  <a:solidFill>
+                    <a:srgbClr val="0070C0"/>
+                  </a:solidFill>
+                </a:endParaRPr>
+              </a:p>
+              <a:p>
+                <a:pPr lvl="1"/>
+                <a:r>
+                  <a:rPr lang="ko-KR" altLang="en-US" dirty="0"/>
+                  <a:t>전원 참석 팀 </a:t>
+                </a:r>
+                <a:r>
+                  <a:rPr lang="en-US" altLang="ko-KR" dirty="0"/>
+                  <a:t>5</a:t>
+                </a:r>
+                <a:r>
+                  <a:rPr lang="ko-KR" altLang="en-US" dirty="0"/>
+                  <a:t>점</a:t>
+                </a:r>
+                <a:r>
+                  <a:rPr lang="en-US" altLang="ko-KR" dirty="0"/>
+                  <a:t>, 1</a:t>
+                </a:r>
+                <a:r>
+                  <a:rPr lang="ko-KR" altLang="en-US" dirty="0"/>
+                  <a:t>명이라도 </a:t>
+                </a:r>
+                <a:r>
+                  <a:rPr lang="ko-KR" altLang="en-US" dirty="0" err="1"/>
+                  <a:t>미참석한</a:t>
+                </a:r>
+                <a:r>
+                  <a:rPr lang="ko-KR" altLang="en-US" dirty="0"/>
+                  <a:t> 팀 </a:t>
+                </a:r>
+                <a:r>
+                  <a:rPr lang="en-US" altLang="ko-KR" dirty="0"/>
+                  <a:t>3</a:t>
+                </a:r>
+                <a:r>
+                  <a:rPr lang="ko-KR" altLang="en-US" dirty="0"/>
+                  <a:t>점</a:t>
+                </a:r>
+                <a:endParaRPr kumimoji="1" lang="en-US" altLang="ko-KR" b="1" dirty="0">
+                  <a:solidFill>
+                    <a:srgbClr val="0070C0"/>
+                  </a:solidFill>
+                </a:endParaRPr>
+              </a:p>
             </p:txBody>
           </p:sp>
         </mc:Choice>
-        <mc:Fallback xmlns="">
+        <mc:Fallback>
           <p:sp>
             <p:nvSpPr>
               <p:cNvPr id="3" name="내용 개체 틀 2">

--- a/introduction.pptx
+++ b/introduction.pptx
@@ -2085,6 +2085,9 @@
             <a:br>
               <a:rPr kumimoji="1" lang="en-US" altLang="ko-KR" sz="4400" b="1" dirty="0"/>
             </a:br>
+            <a:br>
+              <a:rPr kumimoji="1" lang="en-US" altLang="ko-KR" sz="4400" b="1" dirty="0"/>
+            </a:br>
             <a:r>
               <a:rPr kumimoji="1" lang="ko-KR" altLang="en-US" sz="4400" b="1" dirty="0"/>
               <a:t>유방 촬영 영상 이미지 데이터</a:t>
@@ -2265,7 +2268,7 @@
               <a:t>pytorch</a:t>
             </a:r>
             <a:r>
-              <a:rPr lang="en-US" altLang="ko-KR"/>
+              <a:rPr lang="en-US" altLang="ko-KR" dirty="0"/>
               <a:t>),</a:t>
             </a:r>
             <a:r>
@@ -2277,7 +2280,7 @@
           <a:p>
             <a:r>
               <a:rPr kumimoji="1" lang="en-US" altLang="ko-KR" dirty="0"/>
-              <a:t>F1-score: Multiclass </a:t>
+              <a:t>Multi-class metric: F1-score</a:t>
             </a:r>
           </a:p>
           <a:p>
@@ -2288,9 +2291,69 @@
               </a:rPr>
               <a:t>https://towardsdatascience.com/multi-class-metrics-made-simple-part-ii-the-f1-score-ebe8b2c2ca1</a:t>
             </a:r>
+            <a:endParaRPr lang="en" altLang="ko-KR" dirty="0">
+              <a:hlinkClick r:id="rId4"/>
+            </a:endParaRPr>
+          </a:p>
+          <a:p>
+            <a:r>
+              <a:rPr kumimoji="1" lang="en-US" altLang="ko-KR" dirty="0" err="1"/>
+              <a:t>Mmg</a:t>
+            </a:r>
+            <a:r>
+              <a:rPr kumimoji="1" lang="en-US" altLang="ko-KR" dirty="0"/>
+              <a:t>-model sample</a:t>
+            </a:r>
+            <a:endParaRPr kumimoji="1" lang="en" altLang="ko-KR" dirty="0">
+              <a:hlinkClick r:id="rId4">
+                <a:extLst>
+                  <a:ext uri="{A12FA001-AC4F-418D-AE19-62706E023703}">
+                    <ahyp:hlinkClr xmlns:ahyp="http://schemas.microsoft.com/office/drawing/2018/hyperlinkcolor" val="tx"/>
+                  </a:ext>
+                </a:extLst>
+              </a:hlinkClick>
+            </a:endParaRPr>
+          </a:p>
+          <a:p>
+            <a:pPr lvl="1"/>
+            <a:r>
+              <a:rPr lang="en" altLang="ko-KR" dirty="0">
+                <a:hlinkClick r:id="rId4"/>
+              </a:rPr>
+              <a:t>https://github.com/nccaiteam/mmg-model-nia</a:t>
+            </a:r>
             <a:endParaRPr lang="en" altLang="ko-KR" dirty="0"/>
           </a:p>
           <a:p>
+            <a:pPr lvl="1"/>
+            <a:r>
+              <a:rPr kumimoji="1" lang="en-US" altLang="ko-KR" dirty="0" err="1"/>
+              <a:t>ResNet</a:t>
+            </a:r>
+            <a:r>
+              <a:rPr kumimoji="1" lang="en-US" altLang="ko-KR" dirty="0"/>
+              <a:t>/</a:t>
+            </a:r>
+            <a:r>
+              <a:rPr kumimoji="1" lang="en-US" altLang="ko-KR" dirty="0" err="1"/>
+              <a:t>DenseNet</a:t>
+            </a:r>
+            <a:r>
+              <a:rPr kumimoji="1" lang="en-US" altLang="ko-KR" dirty="0"/>
+              <a:t> made by </a:t>
+            </a:r>
+            <a:r>
+              <a:rPr kumimoji="1" lang="en-US" altLang="ko-KR" dirty="0" err="1"/>
+              <a:t>Lunit</a:t>
+            </a:r>
+            <a:endParaRPr kumimoji="1" lang="en-US" altLang="ko-KR" dirty="0"/>
+          </a:p>
+          <a:p>
+            <a:pPr lvl="2"/>
+            <a:r>
+              <a:rPr kumimoji="1" lang="en-US" altLang="ko-KR" dirty="0"/>
+              <a:t>Binary classification (cancer/not cancer)</a:t>
+            </a:r>
             <a:endParaRPr kumimoji="1" lang="ko-KR" altLang="en-US" dirty="0"/>
           </a:p>
         </p:txBody>
@@ -2803,11 +2866,27 @@
             </a:r>
             <a:r>
               <a:rPr lang="en-US" altLang="ko-KR" dirty="0"/>
-              <a:t>, 1</a:t>
+              <a:t>, </a:t>
+            </a:r>
+            <a:r>
+              <a:rPr lang="en-US" altLang="ko-KR" b="1" i="1" dirty="0">
+                <a:solidFill>
+                  <a:srgbClr val="0070C0"/>
+                </a:solidFill>
+              </a:rPr>
+              <a:t>1</a:t>
+            </a:r>
+            <a:r>
+              <a:rPr lang="ko-KR" altLang="en-US" b="1" i="1" dirty="0">
+                <a:solidFill>
+                  <a:srgbClr val="0070C0"/>
+                </a:solidFill>
+              </a:rPr>
+              <a:t>년</a:t>
             </a:r>
             <a:r>
               <a:rPr lang="ko-KR" altLang="en-US" dirty="0"/>
-              <a:t>년 이상이 지난 시점에 촬영된 추적 유방촬영에서 변화 없이 음성으로 판명된 경우</a:t>
+              <a:t> 이상이 지난 시점에 촬영된 추적 유방촬영에서 변화 없이 음성으로 판명된 경우</a:t>
             </a:r>
           </a:p>
           <a:p>
@@ -2830,11 +2909,27 @@
             </a:r>
             <a:r>
               <a:rPr lang="en-US" altLang="ko-KR" dirty="0"/>
-              <a:t>, 1</a:t>
+              <a:t>, </a:t>
+            </a:r>
+            <a:r>
+              <a:rPr lang="en-US" altLang="ko-KR" b="1" i="1" dirty="0">
+                <a:solidFill>
+                  <a:srgbClr val="0070C0"/>
+                </a:solidFill>
+              </a:rPr>
+              <a:t>1</a:t>
+            </a:r>
+            <a:r>
+              <a:rPr lang="ko-KR" altLang="en-US" b="1" i="1" dirty="0">
+                <a:solidFill>
+                  <a:srgbClr val="0070C0"/>
+                </a:solidFill>
+              </a:rPr>
+              <a:t>년</a:t>
             </a:r>
             <a:r>
               <a:rPr lang="ko-KR" altLang="en-US" dirty="0"/>
-              <a:t>년 이상이 지난 시점에 촬영된 추적 </a:t>
+              <a:t> 이상이 지난 시점에 촬영된 추적 </a:t>
             </a:r>
             <a:r>
               <a:rPr lang="ko-KR" altLang="en-US" dirty="0" err="1"/>
@@ -2872,6 +2967,27 @@
               <a:rPr lang="ko-KR" altLang="en-US" dirty="0"/>
               <a:t>추적조직검사로 유방암 확정</a:t>
             </a:r>
+            <a:r>
+              <a:rPr lang="en-US" altLang="ko-KR" dirty="0"/>
+              <a:t> (</a:t>
+            </a:r>
+            <a:r>
+              <a:rPr lang="ko-KR" altLang="en-US" b="1" i="1" dirty="0">
+                <a:solidFill>
+                  <a:srgbClr val="0070C0"/>
+                </a:solidFill>
+              </a:rPr>
+              <a:t>수술환자</a:t>
+            </a:r>
+            <a:r>
+              <a:rPr lang="ko-KR" altLang="en-US" dirty="0"/>
+              <a:t> 데이터만</a:t>
+            </a:r>
+            <a:r>
+              <a:rPr lang="en-US" altLang="ko-KR" dirty="0"/>
+              <a:t>)</a:t>
+            </a:r>
+            <a:endParaRPr lang="ko-KR" altLang="en-US" dirty="0"/>
           </a:p>
           <a:p>
             <a:pPr lvl="1"/>
@@ -3022,27 +3138,7 @@
             </a:r>
             <a:r>
               <a:rPr lang="en" altLang="ko-KR" dirty="0"/>
-              <a:t> , </a:t>
-            </a:r>
-            <a:r>
-              <a:rPr lang="ko-KR" altLang="en-US" dirty="0"/>
-              <a:t>카테고리 </a:t>
-            </a:r>
-            <a:r>
-              <a:rPr lang="en-US" altLang="ko-KR" dirty="0"/>
-              <a:t>3</a:t>
-            </a:r>
-            <a:r>
-              <a:rPr lang="ko-KR" altLang="en-US" dirty="0"/>
-              <a:t>개 </a:t>
-            </a:r>
-            <a:r>
-              <a:rPr lang="en-US" altLang="ko-KR" dirty="0"/>
-              <a:t>(</a:t>
-            </a:r>
-            <a:r>
-              <a:rPr lang="en" altLang="ko-KR" dirty="0"/>
-              <a:t>benign, malign, normal))</a:t>
+              <a:t> </a:t>
             </a:r>
           </a:p>
           <a:p>
@@ -3352,7 +3448,7 @@
         </p:nvGrpSpPr>
         <p:grpSpPr>
           <a:xfrm>
-            <a:off x="5058056" y="3341451"/>
+            <a:off x="5058056" y="2731849"/>
             <a:ext cx="3624769" cy="3292475"/>
             <a:chOff x="5098742" y="3246437"/>
             <a:chExt cx="3624769" cy="3292475"/>
@@ -3618,6 +3714,76 @@
               <a:rPr lang="ko-KR" altLang="en-US" dirty="0"/>
               <a:t>데이터 경로</a:t>
             </a:r>
+            <a:endParaRPr lang="en-US" altLang="ko-KR" dirty="0"/>
+          </a:p>
+          <a:p>
+            <a:pPr lvl="1"/>
+            <a:r>
+              <a:rPr kumimoji="1" lang="en-US" altLang="ko-KR" dirty="0"/>
+              <a:t>4</a:t>
+            </a:r>
+            <a:r>
+              <a:rPr kumimoji="1" lang="ko-KR" altLang="en-US" dirty="0"/>
+              <a:t>장의 이미지를 하나의 파일로 구성</a:t>
+            </a:r>
+          </a:p>
+          <a:p>
+            <a:pPr lvl="1"/>
+            <a:r>
+              <a:rPr kumimoji="1" lang="en-US" altLang="ko-KR" dirty="0"/>
+              <a:t>compressed </a:t>
+            </a:r>
+            <a:r>
+              <a:rPr kumimoji="1" lang="en-US" altLang="ko-KR" dirty="0" err="1"/>
+              <a:t>numpy</a:t>
+            </a:r>
+            <a:r>
+              <a:rPr kumimoji="1" lang="en-US" altLang="ko-KR" dirty="0"/>
+              <a:t> (.</a:t>
+            </a:r>
+            <a:r>
+              <a:rPr kumimoji="1" lang="en-US" altLang="ko-KR" dirty="0" err="1"/>
+              <a:t>npz</a:t>
+            </a:r>
+            <a:r>
+              <a:rPr kumimoji="1" lang="en-US" altLang="ko-KR" dirty="0"/>
+              <a:t>)</a:t>
+            </a:r>
+          </a:p>
+          <a:p>
+            <a:pPr lvl="1"/>
+            <a:r>
+              <a:rPr kumimoji="1" lang="ko-KR" altLang="en-US" dirty="0"/>
+              <a:t>원본의 약 </a:t>
+            </a:r>
+            <a:r>
+              <a:rPr kumimoji="1" lang="en-US" altLang="ko-KR" dirty="0"/>
+              <a:t>10% </a:t>
+            </a:r>
+            <a:r>
+              <a:rPr kumimoji="1" lang="ko-KR" altLang="en-US" dirty="0"/>
+              <a:t>사이즈 </a:t>
+            </a:r>
+          </a:p>
+          <a:p>
+            <a:pPr lvl="1"/>
+            <a:r>
+              <a:rPr kumimoji="1" lang="en-US" altLang="ko-KR" dirty="0"/>
+              <a:t>Shape: (4,1,width,height)</a:t>
+            </a:r>
+          </a:p>
+          <a:p>
+            <a:pPr lvl="1"/>
+            <a:r>
+              <a:rPr kumimoji="1" lang="ko-KR" altLang="en-US" dirty="0"/>
+              <a:t>순서</a:t>
+            </a:r>
+            <a:r>
+              <a:rPr kumimoji="1" lang="en-US" altLang="ko-KR" dirty="0"/>
+              <a:t>: LMLO/RMLO/RCC/LCC</a:t>
+            </a:r>
+          </a:p>
+          <a:p>
             <a:endParaRPr kumimoji="1" lang="en-US" altLang="ko-KR" dirty="0"/>
           </a:p>
           <a:p>
@@ -3669,956 +3835,251 @@
           </a:p>
         </p:txBody>
       </p:sp>
-      <p:graphicFrame>
-        <p:nvGraphicFramePr>
-          <p:cNvPr id="5" name="내용 개체 틀 4">
+      <p:sp>
+        <p:nvSpPr>
+          <p:cNvPr id="6" name="직사각형 5">
             <a:extLst>
               <a:ext uri="{FF2B5EF4-FFF2-40B4-BE49-F238E27FC236}">
-                <a16:creationId xmlns:a16="http://schemas.microsoft.com/office/drawing/2014/main" id="{7BBC1D27-E756-0E45-A85C-26A85137EA08}"/>
+                <a16:creationId xmlns:a16="http://schemas.microsoft.com/office/drawing/2014/main" id="{2F620476-F5D6-2D4E-A015-BCEFE70C2903}"/>
               </a:ext>
             </a:extLst>
           </p:cNvPr>
-          <p:cNvGraphicFramePr>
-            <a:graphicFrameLocks/>
-          </p:cNvGraphicFramePr>
-          <p:nvPr>
-            <p:extLst>
-              <p:ext uri="{D42A27DB-BD31-4B8C-83A1-F6EECF244321}">
-                <p14:modId xmlns:p14="http://schemas.microsoft.com/office/powerpoint/2010/main" val="3221334049"/>
-              </p:ext>
-            </p:extLst>
-          </p:nvPr>
-        </p:nvGraphicFramePr>
-        <p:xfrm>
-          <a:off x="346214" y="1689125"/>
-          <a:ext cx="8451572" cy="2560320"/>
-        </p:xfrm>
-        <a:graphic>
-          <a:graphicData uri="http://schemas.openxmlformats.org/drawingml/2006/table">
-            <a:tbl>
-              <a:tblPr firstRow="1" bandRow="1">
-                <a:tableStyleId>{5C22544A-7EE6-4342-B048-85BDC9FD1C3A}</a:tableStyleId>
-              </a:tblPr>
-              <a:tblGrid>
-                <a:gridCol w="890149">
-                  <a:extLst>
-                    <a:ext uri="{9D8B030D-6E8A-4147-A177-3AD203B41FA5}">
-                      <a16:colId xmlns:a16="http://schemas.microsoft.com/office/drawing/2014/main" val="216531716"/>
-                    </a:ext>
-                  </a:extLst>
-                </a:gridCol>
-                <a:gridCol w="1296762">
-                  <a:extLst>
-                    <a:ext uri="{9D8B030D-6E8A-4147-A177-3AD203B41FA5}">
-                      <a16:colId xmlns:a16="http://schemas.microsoft.com/office/drawing/2014/main" val="2970756506"/>
-                    </a:ext>
-                  </a:extLst>
-                </a:gridCol>
-                <a:gridCol w="1254916">
-                  <a:extLst>
-                    <a:ext uri="{9D8B030D-6E8A-4147-A177-3AD203B41FA5}">
-                      <a16:colId xmlns:a16="http://schemas.microsoft.com/office/drawing/2014/main" val="3060335963"/>
-                    </a:ext>
-                  </a:extLst>
-                </a:gridCol>
-                <a:gridCol w="1605064">
-                  <a:extLst>
-                    <a:ext uri="{9D8B030D-6E8A-4147-A177-3AD203B41FA5}">
-                      <a16:colId xmlns:a16="http://schemas.microsoft.com/office/drawing/2014/main" val="506018617"/>
-                    </a:ext>
-                  </a:extLst>
-                </a:gridCol>
-                <a:gridCol w="3404681">
-                  <a:extLst>
-                    <a:ext uri="{9D8B030D-6E8A-4147-A177-3AD203B41FA5}">
-                      <a16:colId xmlns:a16="http://schemas.microsoft.com/office/drawing/2014/main" val="2868176260"/>
-                    </a:ext>
-                  </a:extLst>
-                </a:gridCol>
-              </a:tblGrid>
-              <a:tr h="370840">
-                <a:tc gridSpan="3">
-                  <a:txBody>
-                    <a:bodyPr/>
-                    <a:lstStyle/>
-                    <a:p>
-                      <a:pPr algn="ctr" latinLnBrk="1"/>
-                      <a:r>
-                        <a:rPr lang="en-US" altLang="ko-KR" sz="1600" dirty="0"/>
-                        <a:t>DIRECTORY</a:t>
-                      </a:r>
-                      <a:endParaRPr lang="ko-KR" altLang="en-US" sz="1600" dirty="0"/>
-                    </a:p>
-                  </a:txBody>
-                  <a:tcPr/>
-                </a:tc>
-                <a:tc hMerge="1">
-                  <a:txBody>
-                    <a:bodyPr/>
-                    <a:lstStyle/>
-                    <a:p>
-                      <a:pPr algn="ctr" latinLnBrk="1"/>
-                      <a:endParaRPr lang="ko-KR" altLang="en-US" dirty="0"/>
-                    </a:p>
-                  </a:txBody>
-                  <a:tcPr/>
-                </a:tc>
-                <a:tc hMerge="1">
-                  <a:txBody>
-                    <a:bodyPr/>
-                    <a:lstStyle/>
-                    <a:p>
-                      <a:pPr algn="ctr" latinLnBrk="1"/>
-                      <a:endParaRPr lang="ko-KR" altLang="en-US" dirty="0"/>
-                    </a:p>
-                  </a:txBody>
-                  <a:tcPr/>
-                </a:tc>
-                <a:tc>
-                  <a:txBody>
-                    <a:bodyPr/>
-                    <a:lstStyle/>
-                    <a:p>
-                      <a:pPr marL="0" marR="0" lvl="0" indent="0" algn="ctr" defTabSz="914400" rtl="0" eaLnBrk="1" fontAlgn="auto" latinLnBrk="1" hangingPunct="1">
-                        <a:lnSpc>
-                          <a:spcPct val="100000"/>
-                        </a:lnSpc>
-                        <a:spcBef>
-                          <a:spcPts val="0"/>
-                        </a:spcBef>
-                        <a:spcAft>
-                          <a:spcPts val="0"/>
-                        </a:spcAft>
-                        <a:buClrTx/>
-                        <a:buSzTx/>
-                        <a:buFontTx/>
-                        <a:buNone/>
-                        <a:tabLst/>
-                        <a:defRPr/>
-                      </a:pPr>
-                      <a:r>
-                        <a:rPr lang="en-US" altLang="ko-KR" sz="1600" dirty="0"/>
-                        <a:t>FILES</a:t>
-                      </a:r>
-                      <a:endParaRPr lang="ko-KR" altLang="en-US" sz="1600" dirty="0"/>
-                    </a:p>
-                  </a:txBody>
-                  <a:tcPr anchor="ctr"/>
-                </a:tc>
-                <a:tc>
-                  <a:txBody>
-                    <a:bodyPr/>
-                    <a:lstStyle/>
-                    <a:p>
-                      <a:pPr marL="0" marR="0" lvl="0" indent="0" algn="ctr" defTabSz="914400" rtl="0" eaLnBrk="1" fontAlgn="auto" latinLnBrk="1" hangingPunct="1">
-                        <a:lnSpc>
-                          <a:spcPct val="100000"/>
-                        </a:lnSpc>
-                        <a:spcBef>
-                          <a:spcPts val="0"/>
-                        </a:spcBef>
-                        <a:spcAft>
-                          <a:spcPts val="0"/>
-                        </a:spcAft>
-                        <a:buClrTx/>
-                        <a:buSzTx/>
-                        <a:buFontTx/>
-                        <a:buNone/>
-                        <a:tabLst/>
-                        <a:defRPr/>
-                      </a:pPr>
-                      <a:r>
-                        <a:rPr lang="en-US" altLang="ko-KR" sz="1600" dirty="0"/>
-                        <a:t>CONTENTS</a:t>
-                      </a:r>
-                      <a:endParaRPr lang="ko-KR" altLang="en-US" sz="1600" dirty="0"/>
-                    </a:p>
-                  </a:txBody>
-                  <a:tcPr/>
-                </a:tc>
-                <a:extLst>
-                  <a:ext uri="{0D108BD9-81ED-4DB2-BD59-A6C34878D82A}">
-                    <a16:rowId xmlns:a16="http://schemas.microsoft.com/office/drawing/2014/main" val="3141955103"/>
-                  </a:ext>
-                </a:extLst>
-              </a:tr>
-              <a:tr h="370840">
-                <a:tc rowSpan="3">
-                  <a:txBody>
-                    <a:bodyPr/>
-                    <a:lstStyle/>
-                    <a:p>
-                      <a:pPr algn="ctr" latinLnBrk="1"/>
-                      <a:r>
-                        <a:rPr lang="en-US" altLang="ko-KR" sz="1600" dirty="0"/>
-                        <a:t>/train</a:t>
-                      </a:r>
-                      <a:endParaRPr lang="ko-KR" altLang="en-US" sz="1600" dirty="0"/>
-                    </a:p>
-                  </a:txBody>
-                  <a:tcPr anchor="ctr"/>
-                </a:tc>
-                <a:tc>
-                  <a:txBody>
-                    <a:bodyPr/>
-                    <a:lstStyle/>
-                    <a:p>
-                      <a:pPr algn="ctr" latinLnBrk="1"/>
-                      <a:r>
-                        <a:rPr lang="en-US" altLang="ko-KR" sz="1600" dirty="0"/>
-                        <a:t>/malign</a:t>
-                      </a:r>
-                      <a:endParaRPr lang="ko-KR" altLang="en-US" sz="1600" dirty="0"/>
-                    </a:p>
-                  </a:txBody>
-                  <a:tcPr anchor="ctr"/>
-                </a:tc>
-                <a:tc>
-                  <a:txBody>
-                    <a:bodyPr/>
-                    <a:lstStyle/>
-                    <a:p>
-                      <a:pPr algn="ctr"/>
-                      <a:r>
-                        <a:rPr lang="en-US" altLang="ko-KR" sz="1600" dirty="0"/>
-                        <a:t>/0XXXX</a:t>
-                      </a:r>
-                      <a:endParaRPr lang="ko-KR" altLang="en-US" sz="1600" dirty="0"/>
-                    </a:p>
-                  </a:txBody>
-                  <a:tcPr/>
-                </a:tc>
-                <a:tc rowSpan="6">
-                  <a:txBody>
-                    <a:bodyPr/>
-                    <a:lstStyle/>
-                    <a:p>
-                      <a:pPr marL="0" marR="0" lvl="0" indent="0" algn="ctr" defTabSz="914400" rtl="0" eaLnBrk="1" fontAlgn="auto" latinLnBrk="1" hangingPunct="1">
-                        <a:lnSpc>
-                          <a:spcPct val="100000"/>
-                        </a:lnSpc>
-                        <a:spcBef>
-                          <a:spcPts val="0"/>
-                        </a:spcBef>
-                        <a:spcAft>
-                          <a:spcPts val="0"/>
-                        </a:spcAft>
-                        <a:buClrTx/>
-                        <a:buSzTx/>
-                        <a:buFont typeface="Arial" panose="020B0604020202020204" pitchFamily="34" charset="0"/>
-                        <a:buNone/>
-                        <a:tabLst/>
-                        <a:defRPr/>
-                      </a:pPr>
-                      <a:r>
-                        <a:rPr lang="en-US" altLang="ko-KR" sz="1600" dirty="0" err="1"/>
-                        <a:t>mammo.npz</a:t>
-                      </a:r>
-                      <a:endParaRPr lang="ko-KR" altLang="en-US" sz="1600" dirty="0"/>
-                    </a:p>
-                  </a:txBody>
-                  <a:tcPr anchor="ctr"/>
-                </a:tc>
-                <a:tc rowSpan="6">
-                  <a:txBody>
-                    <a:bodyPr/>
-                    <a:lstStyle/>
-                    <a:p>
-                      <a:pPr marL="285750" indent="-285750" algn="l">
-                        <a:buFontTx/>
-                        <a:buChar char="-"/>
-                      </a:pPr>
-                      <a:r>
-                        <a:rPr lang="en-US" altLang="ko-KR" sz="1600" kern="1200" dirty="0">
-                          <a:solidFill>
-                            <a:schemeClr val="dk1"/>
-                          </a:solidFill>
-                          <a:effectLst/>
-                          <a:latin typeface="+mn-lt"/>
-                          <a:ea typeface="+mn-ea"/>
-                          <a:cs typeface="+mn-cs"/>
-                        </a:rPr>
-                        <a:t>4</a:t>
-                      </a:r>
-                      <a:r>
-                        <a:rPr lang="ko-KR" altLang="en-US" sz="1600" kern="1200" dirty="0">
-                          <a:solidFill>
-                            <a:schemeClr val="dk1"/>
-                          </a:solidFill>
-                          <a:effectLst/>
-                          <a:latin typeface="+mn-lt"/>
-                          <a:ea typeface="+mn-ea"/>
-                          <a:cs typeface="+mn-cs"/>
-                        </a:rPr>
-                        <a:t>장의 이미지를 하나의 파일로 구성</a:t>
-                      </a:r>
-                      <a:endParaRPr lang="en" altLang="ko-KR" sz="1600" kern="1200" dirty="0">
-                        <a:solidFill>
-                          <a:schemeClr val="dk1"/>
-                        </a:solidFill>
-                        <a:effectLst/>
-                        <a:latin typeface="+mn-lt"/>
-                        <a:ea typeface="+mn-ea"/>
-                        <a:cs typeface="+mn-cs"/>
-                      </a:endParaRPr>
-                    </a:p>
-                    <a:p>
-                      <a:pPr marL="285750" indent="-285750" algn="l">
-                        <a:buFontTx/>
-                        <a:buChar char="-"/>
-                      </a:pPr>
-                      <a:r>
-                        <a:rPr lang="en" altLang="ko-KR" sz="1600" kern="1200" dirty="0">
-                          <a:solidFill>
-                            <a:schemeClr val="dk1"/>
-                          </a:solidFill>
-                          <a:effectLst/>
-                          <a:latin typeface="+mn-lt"/>
-                          <a:ea typeface="+mn-ea"/>
-                          <a:cs typeface="+mn-cs"/>
-                        </a:rPr>
-                        <a:t>compressed </a:t>
-                      </a:r>
-                      <a:r>
-                        <a:rPr lang="en" altLang="ko-KR" sz="1600" kern="1200" dirty="0" err="1">
-                          <a:solidFill>
-                            <a:schemeClr val="dk1"/>
-                          </a:solidFill>
-                          <a:effectLst/>
-                          <a:latin typeface="+mn-lt"/>
-                          <a:ea typeface="+mn-ea"/>
-                          <a:cs typeface="+mn-cs"/>
-                        </a:rPr>
-                        <a:t>numpy</a:t>
-                      </a:r>
-                      <a:r>
-                        <a:rPr lang="ko-KR" altLang="en-US" sz="1600" kern="1200" dirty="0">
-                          <a:solidFill>
-                            <a:schemeClr val="dk1"/>
-                          </a:solidFill>
-                          <a:effectLst/>
-                          <a:latin typeface="+mn-lt"/>
-                          <a:ea typeface="+mn-ea"/>
-                          <a:cs typeface="+mn-cs"/>
-                        </a:rPr>
-                        <a:t> </a:t>
-                      </a:r>
-                      <a:r>
-                        <a:rPr lang="en-US" altLang="ko-KR" sz="1600" kern="1200" dirty="0">
-                          <a:solidFill>
-                            <a:schemeClr val="dk1"/>
-                          </a:solidFill>
-                          <a:effectLst/>
-                          <a:latin typeface="+mn-lt"/>
-                          <a:ea typeface="+mn-ea"/>
-                          <a:cs typeface="+mn-cs"/>
-                        </a:rPr>
-                        <a:t>(.</a:t>
-                      </a:r>
-                      <a:r>
-                        <a:rPr lang="en-US" altLang="ko-KR" sz="1600" kern="1200" dirty="0" err="1">
-                          <a:solidFill>
-                            <a:schemeClr val="dk1"/>
-                          </a:solidFill>
-                          <a:effectLst/>
-                          <a:latin typeface="+mn-lt"/>
-                          <a:ea typeface="+mn-ea"/>
-                          <a:cs typeface="+mn-cs"/>
-                        </a:rPr>
-                        <a:t>npz</a:t>
-                      </a:r>
-                      <a:r>
-                        <a:rPr lang="en-US" altLang="ko-KR" sz="1600" kern="1200" dirty="0">
-                          <a:solidFill>
-                            <a:schemeClr val="dk1"/>
-                          </a:solidFill>
-                          <a:effectLst/>
-                          <a:latin typeface="+mn-lt"/>
-                          <a:ea typeface="+mn-ea"/>
-                          <a:cs typeface="+mn-cs"/>
-                        </a:rPr>
-                        <a:t>)</a:t>
-                      </a:r>
-                    </a:p>
-                    <a:p>
-                      <a:pPr marL="285750" indent="-285750" algn="l">
-                        <a:buFontTx/>
-                        <a:buChar char="-"/>
-                      </a:pPr>
-                      <a:r>
-                        <a:rPr lang="ko-KR" altLang="en-US" sz="1600" kern="1200" dirty="0">
-                          <a:solidFill>
-                            <a:schemeClr val="dk1"/>
-                          </a:solidFill>
-                          <a:effectLst/>
-                          <a:latin typeface="+mn-lt"/>
-                          <a:ea typeface="+mn-ea"/>
-                          <a:cs typeface="+mn-cs"/>
-                        </a:rPr>
-                        <a:t>원본의 약 </a:t>
-                      </a:r>
-                      <a:r>
-                        <a:rPr lang="en-US" altLang="ko-KR" sz="1600" kern="1200" dirty="0">
-                          <a:solidFill>
-                            <a:schemeClr val="dk1"/>
-                          </a:solidFill>
-                          <a:effectLst/>
-                          <a:latin typeface="+mn-lt"/>
-                          <a:ea typeface="+mn-ea"/>
-                          <a:cs typeface="+mn-cs"/>
-                        </a:rPr>
-                        <a:t>10% </a:t>
-                      </a:r>
-                      <a:r>
-                        <a:rPr lang="ko-KR" altLang="en-US" sz="1600" kern="1200" dirty="0">
-                          <a:solidFill>
-                            <a:schemeClr val="dk1"/>
-                          </a:solidFill>
-                          <a:effectLst/>
-                          <a:latin typeface="+mn-lt"/>
-                          <a:ea typeface="+mn-ea"/>
-                          <a:cs typeface="+mn-cs"/>
-                        </a:rPr>
-                        <a:t>사이즈 </a:t>
-                      </a:r>
-                      <a:endParaRPr lang="en-US" altLang="ko-KR" sz="1600" kern="1200" dirty="0">
-                        <a:solidFill>
-                          <a:schemeClr val="dk1"/>
-                        </a:solidFill>
-                        <a:effectLst/>
-                        <a:latin typeface="+mn-lt"/>
-                        <a:ea typeface="+mn-ea"/>
-                        <a:cs typeface="+mn-cs"/>
-                      </a:endParaRPr>
-                    </a:p>
-                    <a:p>
-                      <a:pPr marL="285750" indent="-285750" algn="l">
-                        <a:buFontTx/>
-                        <a:buChar char="-"/>
-                      </a:pPr>
-                      <a:r>
-                        <a:rPr lang="en" altLang="ko-KR" sz="1600" kern="1200" dirty="0">
-                          <a:solidFill>
-                            <a:schemeClr val="dk1"/>
-                          </a:solidFill>
-                          <a:effectLst/>
-                          <a:latin typeface="+mn-lt"/>
-                          <a:ea typeface="+mn-ea"/>
-                          <a:cs typeface="+mn-cs"/>
-                        </a:rPr>
-                        <a:t>Shape</a:t>
-                      </a:r>
-                      <a:r>
-                        <a:rPr lang="en-US" altLang="ko-KR" sz="1600" kern="1200" dirty="0">
-                          <a:solidFill>
-                            <a:schemeClr val="dk1"/>
-                          </a:solidFill>
-                          <a:effectLst/>
-                          <a:latin typeface="+mn-lt"/>
-                          <a:ea typeface="+mn-ea"/>
-                          <a:cs typeface="+mn-cs"/>
-                        </a:rPr>
-                        <a:t>: (4,1,</a:t>
-                      </a:r>
-                      <a:r>
-                        <a:rPr lang="en" altLang="ko-KR" sz="1600" kern="1200" dirty="0" err="1">
-                          <a:solidFill>
-                            <a:schemeClr val="dk1"/>
-                          </a:solidFill>
-                          <a:effectLst/>
-                          <a:latin typeface="+mn-lt"/>
-                          <a:ea typeface="+mn-ea"/>
-                          <a:cs typeface="+mn-cs"/>
-                        </a:rPr>
-                        <a:t>width,height</a:t>
-                      </a:r>
-                      <a:r>
-                        <a:rPr lang="en" altLang="ko-KR" sz="1600" kern="1200" dirty="0">
-                          <a:solidFill>
-                            <a:schemeClr val="dk1"/>
-                          </a:solidFill>
-                          <a:effectLst/>
-                          <a:latin typeface="+mn-lt"/>
-                          <a:ea typeface="+mn-ea"/>
-                          <a:cs typeface="+mn-cs"/>
-                        </a:rPr>
-                        <a:t>)</a:t>
-                      </a:r>
-                      <a:endParaRPr lang="ko-KR" altLang="en-US" sz="1600" kern="1200" dirty="0">
-                        <a:solidFill>
-                          <a:schemeClr val="dk1"/>
-                        </a:solidFill>
-                        <a:effectLst/>
-                        <a:latin typeface="+mn-lt"/>
-                        <a:ea typeface="+mn-ea"/>
-                        <a:cs typeface="+mn-cs"/>
-                      </a:endParaRPr>
-                    </a:p>
-                    <a:p>
-                      <a:pPr marL="285750" marR="0" lvl="1" indent="-285750" algn="l" defTabSz="914400" rtl="0" eaLnBrk="1" fontAlgn="auto" latinLnBrk="1" hangingPunct="1">
-                        <a:lnSpc>
-                          <a:spcPct val="100000"/>
-                        </a:lnSpc>
-                        <a:spcBef>
-                          <a:spcPts val="0"/>
-                        </a:spcBef>
-                        <a:spcAft>
-                          <a:spcPts val="0"/>
-                        </a:spcAft>
-                        <a:buClrTx/>
-                        <a:buSzTx/>
-                        <a:buFontTx/>
-                        <a:buChar char="-"/>
-                        <a:tabLst/>
-                        <a:defRPr/>
-                      </a:pPr>
-                      <a:r>
-                        <a:rPr lang="ko-KR" altLang="en-US" sz="1600" kern="1200" dirty="0">
-                          <a:solidFill>
-                            <a:schemeClr val="dk1"/>
-                          </a:solidFill>
-                          <a:effectLst/>
-                          <a:latin typeface="+mn-lt"/>
-                          <a:ea typeface="+mn-ea"/>
-                          <a:cs typeface="+mn-cs"/>
-                        </a:rPr>
-                        <a:t>순서</a:t>
-                      </a:r>
-                      <a:r>
-                        <a:rPr lang="en-US" altLang="ko-KR" sz="1600" kern="1200" dirty="0">
-                          <a:solidFill>
-                            <a:schemeClr val="dk1"/>
-                          </a:solidFill>
-                          <a:effectLst/>
-                          <a:latin typeface="+mn-lt"/>
-                          <a:ea typeface="+mn-ea"/>
-                          <a:cs typeface="+mn-cs"/>
-                        </a:rPr>
-                        <a:t>: </a:t>
-                      </a:r>
-                      <a:r>
-                        <a:rPr lang="en" altLang="ko-KR" sz="1600" kern="1200" dirty="0">
-                          <a:solidFill>
-                            <a:schemeClr val="dk1"/>
-                          </a:solidFill>
-                          <a:effectLst/>
-                          <a:latin typeface="+mn-lt"/>
-                          <a:ea typeface="+mn-ea"/>
-                          <a:cs typeface="+mn-cs"/>
-                        </a:rPr>
-                        <a:t>LMLO/RMLO/RCC/LCC</a:t>
-                      </a:r>
-                    </a:p>
-                  </a:txBody>
-                  <a:tcPr anchor="ctr"/>
-                </a:tc>
-                <a:extLst>
-                  <a:ext uri="{0D108BD9-81ED-4DB2-BD59-A6C34878D82A}">
-                    <a16:rowId xmlns:a16="http://schemas.microsoft.com/office/drawing/2014/main" val="1247297119"/>
-                  </a:ext>
-                </a:extLst>
-              </a:tr>
-              <a:tr h="370840">
-                <a:tc vMerge="1">
-                  <a:txBody>
-                    <a:bodyPr/>
-                    <a:lstStyle/>
-                    <a:p>
-                      <a:pPr algn="ctr" latinLnBrk="1"/>
-                      <a:endParaRPr lang="ko-KR" altLang="en-US" dirty="0"/>
-                    </a:p>
-                  </a:txBody>
-                  <a:tcPr/>
-                </a:tc>
-                <a:tc>
-                  <a:txBody>
-                    <a:bodyPr/>
-                    <a:lstStyle/>
-                    <a:p>
-                      <a:pPr algn="ctr" latinLnBrk="1"/>
-                      <a:r>
-                        <a:rPr lang="en-US" altLang="ko-KR" sz="1600" dirty="0"/>
-                        <a:t>/benign</a:t>
-                      </a:r>
-                      <a:endParaRPr lang="ko-KR" altLang="en-US" sz="1600" dirty="0"/>
-                    </a:p>
-                  </a:txBody>
-                  <a:tcPr anchor="ctr"/>
-                </a:tc>
-                <a:tc>
-                  <a:txBody>
-                    <a:bodyPr/>
-                    <a:lstStyle/>
-                    <a:p>
-                      <a:pPr algn="ctr"/>
-                      <a:r>
-                        <a:rPr lang="en-US" altLang="ko-KR" sz="1600" dirty="0"/>
-                        <a:t>/1XXXX</a:t>
-                      </a:r>
-                      <a:endParaRPr lang="ko-KR" altLang="en-US" sz="1600" dirty="0"/>
-                    </a:p>
-                  </a:txBody>
-                  <a:tcPr/>
-                </a:tc>
-                <a:tc vMerge="1">
-                  <a:txBody>
-                    <a:bodyPr/>
-                    <a:lstStyle/>
-                    <a:p>
-                      <a:endParaRPr lang="ko-KR" altLang="en-US" dirty="0"/>
-                    </a:p>
-                  </a:txBody>
-                  <a:tcPr/>
-                </a:tc>
-                <a:tc vMerge="1">
-                  <a:txBody>
-                    <a:bodyPr/>
-                    <a:lstStyle/>
-                    <a:p>
-                      <a:pPr algn="ctr" latinLnBrk="1"/>
-                      <a:endParaRPr lang="ko-KR" altLang="en-US" dirty="0"/>
-                    </a:p>
-                  </a:txBody>
-                  <a:tcPr/>
-                </a:tc>
-                <a:extLst>
-                  <a:ext uri="{0D108BD9-81ED-4DB2-BD59-A6C34878D82A}">
-                    <a16:rowId xmlns:a16="http://schemas.microsoft.com/office/drawing/2014/main" val="4233464917"/>
-                  </a:ext>
-                </a:extLst>
-              </a:tr>
-              <a:tr h="0">
-                <a:tc vMerge="1">
-                  <a:txBody>
-                    <a:bodyPr/>
-                    <a:lstStyle/>
-                    <a:p>
-                      <a:pPr algn="ctr" latinLnBrk="1"/>
-                      <a:endParaRPr lang="ko-KR" altLang="en-US" dirty="0"/>
-                    </a:p>
-                  </a:txBody>
-                  <a:tcPr/>
-                </a:tc>
-                <a:tc>
-                  <a:txBody>
-                    <a:bodyPr/>
-                    <a:lstStyle/>
-                    <a:p>
-                      <a:pPr algn="ctr" latinLnBrk="1"/>
-                      <a:r>
-                        <a:rPr lang="en-US" altLang="ko-KR" sz="1600" dirty="0"/>
-                        <a:t>/normal</a:t>
-                      </a:r>
-                      <a:endParaRPr lang="ko-KR" altLang="en-US" sz="1600" dirty="0"/>
-                    </a:p>
-                  </a:txBody>
-                  <a:tcPr anchor="ctr"/>
-                </a:tc>
-                <a:tc>
-                  <a:txBody>
-                    <a:bodyPr/>
-                    <a:lstStyle/>
-                    <a:p>
-                      <a:pPr algn="ctr"/>
-                      <a:r>
-                        <a:rPr lang="en-US" altLang="ko-KR" sz="1600" dirty="0"/>
-                        <a:t>/2XXXX</a:t>
-                      </a:r>
-                      <a:endParaRPr lang="ko-KR" altLang="en-US" sz="1600" dirty="0"/>
-                    </a:p>
-                  </a:txBody>
-                  <a:tcPr/>
-                </a:tc>
-                <a:tc vMerge="1">
-                  <a:txBody>
-                    <a:bodyPr/>
-                    <a:lstStyle/>
-                    <a:p>
-                      <a:endParaRPr lang="ko-KR" altLang="en-US" dirty="0"/>
-                    </a:p>
-                  </a:txBody>
-                  <a:tcPr/>
-                </a:tc>
-                <a:tc vMerge="1">
-                  <a:txBody>
-                    <a:bodyPr/>
-                    <a:lstStyle/>
-                    <a:p>
-                      <a:pPr algn="ctr" latinLnBrk="1"/>
-                      <a:endParaRPr lang="ko-KR" altLang="en-US" dirty="0"/>
-                    </a:p>
-                  </a:txBody>
-                  <a:tcPr/>
-                </a:tc>
-                <a:extLst>
-                  <a:ext uri="{0D108BD9-81ED-4DB2-BD59-A6C34878D82A}">
-                    <a16:rowId xmlns:a16="http://schemas.microsoft.com/office/drawing/2014/main" val="4183857546"/>
-                  </a:ext>
-                </a:extLst>
-              </a:tr>
-              <a:tr h="370840">
-                <a:tc rowSpan="3">
-                  <a:txBody>
-                    <a:bodyPr/>
-                    <a:lstStyle/>
-                    <a:p>
-                      <a:pPr algn="ctr" latinLnBrk="1"/>
-                      <a:r>
-                        <a:rPr lang="en-US" altLang="ko-KR" sz="1600" dirty="0"/>
-                        <a:t>/test</a:t>
-                      </a:r>
-                      <a:endParaRPr lang="ko-KR" altLang="en-US" sz="1600" dirty="0"/>
-                    </a:p>
-                  </a:txBody>
-                  <a:tcPr anchor="ctr"/>
-                </a:tc>
-                <a:tc>
-                  <a:txBody>
-                    <a:bodyPr/>
-                    <a:lstStyle/>
-                    <a:p>
-                      <a:pPr algn="ctr" latinLnBrk="1"/>
-                      <a:r>
-                        <a:rPr lang="en-US" altLang="ko-KR" sz="1600" dirty="0"/>
-                        <a:t>/malign</a:t>
-                      </a:r>
-                      <a:endParaRPr lang="ko-KR" altLang="en-US" sz="1600" dirty="0"/>
-                    </a:p>
-                  </a:txBody>
-                  <a:tcPr anchor="ctr"/>
-                </a:tc>
-                <a:tc>
-                  <a:txBody>
-                    <a:bodyPr/>
-                    <a:lstStyle/>
-                    <a:p>
-                      <a:pPr algn="ctr"/>
-                      <a:r>
-                        <a:rPr lang="en-US" altLang="ko-KR" sz="1600" dirty="0"/>
-                        <a:t>/0XXXX</a:t>
-                      </a:r>
-                      <a:endParaRPr lang="ko-KR" altLang="en-US" sz="1600" dirty="0"/>
-                    </a:p>
-                  </a:txBody>
-                  <a:tcPr/>
-                </a:tc>
-                <a:tc vMerge="1">
-                  <a:txBody>
-                    <a:bodyPr/>
-                    <a:lstStyle/>
-                    <a:p>
-                      <a:endParaRPr lang="ko-KR" altLang="en-US" dirty="0"/>
-                    </a:p>
-                  </a:txBody>
-                  <a:tcPr/>
-                </a:tc>
-                <a:tc vMerge="1">
-                  <a:txBody>
-                    <a:bodyPr/>
-                    <a:lstStyle/>
-                    <a:p>
-                      <a:pPr marL="0" marR="0" lvl="0" indent="0" algn="ctr" defTabSz="914400" rtl="0" eaLnBrk="1" fontAlgn="auto" latinLnBrk="1" hangingPunct="1">
-                        <a:lnSpc>
-                          <a:spcPct val="100000"/>
-                        </a:lnSpc>
-                        <a:spcBef>
-                          <a:spcPts val="0"/>
-                        </a:spcBef>
-                        <a:spcAft>
-                          <a:spcPts val="0"/>
-                        </a:spcAft>
-                        <a:buClrTx/>
-                        <a:buSzTx/>
-                        <a:buFontTx/>
-                        <a:buNone/>
-                        <a:tabLst/>
-                        <a:defRPr/>
-                      </a:pPr>
-                      <a:endParaRPr lang="ko-KR" altLang="en-US" dirty="0"/>
-                    </a:p>
-                  </a:txBody>
-                  <a:tcPr anchor="ctr"/>
-                </a:tc>
-                <a:extLst>
-                  <a:ext uri="{0D108BD9-81ED-4DB2-BD59-A6C34878D82A}">
-                    <a16:rowId xmlns:a16="http://schemas.microsoft.com/office/drawing/2014/main" val="3044706963"/>
-                  </a:ext>
-                </a:extLst>
-              </a:tr>
-              <a:tr h="370840">
-                <a:tc vMerge="1">
-                  <a:txBody>
-                    <a:bodyPr/>
-                    <a:lstStyle/>
-                    <a:p>
-                      <a:pPr algn="ctr" latinLnBrk="1"/>
-                      <a:endParaRPr lang="ko-KR" altLang="en-US" dirty="0"/>
-                    </a:p>
-                  </a:txBody>
-                  <a:tcPr/>
-                </a:tc>
-                <a:tc>
-                  <a:txBody>
-                    <a:bodyPr/>
-                    <a:lstStyle/>
-                    <a:p>
-                      <a:pPr algn="ctr" latinLnBrk="1"/>
-                      <a:r>
-                        <a:rPr lang="en-US" altLang="ko-KR" sz="1600" dirty="0"/>
-                        <a:t>/benign</a:t>
-                      </a:r>
-                      <a:endParaRPr lang="ko-KR" altLang="en-US" sz="1600" dirty="0"/>
-                    </a:p>
-                  </a:txBody>
-                  <a:tcPr anchor="ctr"/>
-                </a:tc>
-                <a:tc>
-                  <a:txBody>
-                    <a:bodyPr/>
-                    <a:lstStyle/>
-                    <a:p>
-                      <a:pPr algn="ctr"/>
-                      <a:r>
-                        <a:rPr lang="en-US" altLang="ko-KR" sz="1600" dirty="0"/>
-                        <a:t>/1XXXX</a:t>
-                      </a:r>
-                      <a:endParaRPr lang="ko-KR" altLang="en-US" sz="1600" dirty="0"/>
-                    </a:p>
-                  </a:txBody>
-                  <a:tcPr/>
-                </a:tc>
-                <a:tc vMerge="1">
-                  <a:txBody>
-                    <a:bodyPr/>
-                    <a:lstStyle/>
-                    <a:p>
-                      <a:endParaRPr lang="ko-KR" altLang="en-US" dirty="0"/>
-                    </a:p>
-                  </a:txBody>
-                  <a:tcPr/>
-                </a:tc>
-                <a:tc vMerge="1">
-                  <a:txBody>
-                    <a:bodyPr/>
-                    <a:lstStyle/>
-                    <a:p>
-                      <a:pPr marL="0" marR="0" lvl="0" indent="0" algn="ctr" defTabSz="914400" rtl="0" eaLnBrk="1" fontAlgn="auto" latinLnBrk="1" hangingPunct="1">
-                        <a:lnSpc>
-                          <a:spcPct val="100000"/>
-                        </a:lnSpc>
-                        <a:spcBef>
-                          <a:spcPts val="0"/>
-                        </a:spcBef>
-                        <a:spcAft>
-                          <a:spcPts val="0"/>
-                        </a:spcAft>
-                        <a:buClrTx/>
-                        <a:buSzTx/>
-                        <a:buFontTx/>
-                        <a:buNone/>
-                        <a:tabLst/>
-                        <a:defRPr/>
-                      </a:pPr>
-                      <a:endParaRPr lang="ko-KR" altLang="en-US" dirty="0"/>
-                    </a:p>
-                  </a:txBody>
-                  <a:tcPr anchor="ctr"/>
-                </a:tc>
-                <a:extLst>
-                  <a:ext uri="{0D108BD9-81ED-4DB2-BD59-A6C34878D82A}">
-                    <a16:rowId xmlns:a16="http://schemas.microsoft.com/office/drawing/2014/main" val="4045813885"/>
-                  </a:ext>
-                </a:extLst>
-              </a:tr>
-              <a:tr h="370840">
-                <a:tc vMerge="1">
-                  <a:txBody>
-                    <a:bodyPr/>
-                    <a:lstStyle/>
-                    <a:p>
-                      <a:pPr algn="ctr" latinLnBrk="1"/>
-                      <a:endParaRPr lang="ko-KR" altLang="en-US" dirty="0"/>
-                    </a:p>
-                  </a:txBody>
-                  <a:tcPr/>
-                </a:tc>
-                <a:tc>
-                  <a:txBody>
-                    <a:bodyPr/>
-                    <a:lstStyle/>
-                    <a:p>
-                      <a:pPr algn="ctr" latinLnBrk="1"/>
-                      <a:r>
-                        <a:rPr lang="en-US" altLang="ko-KR" sz="1600" dirty="0"/>
-                        <a:t>/normal</a:t>
-                      </a:r>
-                      <a:endParaRPr lang="ko-KR" altLang="en-US" sz="1600" dirty="0"/>
-                    </a:p>
-                  </a:txBody>
-                  <a:tcPr anchor="ctr"/>
-                </a:tc>
-                <a:tc>
-                  <a:txBody>
-                    <a:bodyPr/>
-                    <a:lstStyle/>
-                    <a:p>
-                      <a:pPr algn="ctr"/>
-                      <a:r>
-                        <a:rPr lang="en-US" altLang="ko-KR" sz="1600" dirty="0"/>
-                        <a:t>/2XXXX</a:t>
-                      </a:r>
-                      <a:endParaRPr lang="ko-KR" altLang="en-US" sz="1600" dirty="0"/>
-                    </a:p>
-                  </a:txBody>
-                  <a:tcPr/>
-                </a:tc>
-                <a:tc vMerge="1">
-                  <a:txBody>
-                    <a:bodyPr/>
-                    <a:lstStyle/>
-                    <a:p>
-                      <a:endParaRPr lang="ko-KR" altLang="en-US" dirty="0"/>
-                    </a:p>
-                  </a:txBody>
-                  <a:tcPr/>
-                </a:tc>
-                <a:tc vMerge="1">
-                  <a:txBody>
-                    <a:bodyPr/>
-                    <a:lstStyle/>
-                    <a:p>
-                      <a:pPr marL="0" marR="0" lvl="0" indent="0" algn="ctr" defTabSz="914400" rtl="0" eaLnBrk="1" fontAlgn="auto" latinLnBrk="1" hangingPunct="1">
-                        <a:lnSpc>
-                          <a:spcPct val="100000"/>
-                        </a:lnSpc>
-                        <a:spcBef>
-                          <a:spcPts val="0"/>
-                        </a:spcBef>
-                        <a:spcAft>
-                          <a:spcPts val="0"/>
-                        </a:spcAft>
-                        <a:buClrTx/>
-                        <a:buSzTx/>
-                        <a:buFontTx/>
-                        <a:buNone/>
-                        <a:tabLst/>
-                        <a:defRPr/>
-                      </a:pPr>
-                      <a:endParaRPr lang="ko-KR" altLang="en-US" dirty="0"/>
-                    </a:p>
-                  </a:txBody>
-                  <a:tcPr anchor="ctr"/>
-                </a:tc>
-                <a:extLst>
-                  <a:ext uri="{0D108BD9-81ED-4DB2-BD59-A6C34878D82A}">
-                    <a16:rowId xmlns:a16="http://schemas.microsoft.com/office/drawing/2014/main" val="1194599625"/>
-                  </a:ext>
-                </a:extLst>
-              </a:tr>
-            </a:tbl>
-          </a:graphicData>
-        </a:graphic>
-      </p:graphicFrame>
+          <p:cNvSpPr/>
+          <p:nvPr/>
+        </p:nvSpPr>
+        <p:spPr>
+          <a:xfrm>
+            <a:off x="5478470" y="1275933"/>
+            <a:ext cx="3665530" cy="5262979"/>
+          </a:xfrm>
+          <a:prstGeom prst="rect">
+            <a:avLst/>
+          </a:prstGeom>
+        </p:spPr>
+        <p:txBody>
+          <a:bodyPr wrap="square">
+            <a:spAutoFit/>
+          </a:bodyPr>
+          <a:lstStyle/>
+          <a:p>
+            <a:r>
+              <a:rPr lang="en" altLang="ko-KR" sz="1600" dirty="0">
+                <a:latin typeface="Helvetica Neue" panose="02000503000000020004" pitchFamily="2" charset="0"/>
+              </a:rPr>
+              <a:t>├──train</a:t>
+            </a:r>
+          </a:p>
+          <a:p>
+            <a:r>
+              <a:rPr lang="en" altLang="ko-KR" sz="1600" dirty="0">
+                <a:latin typeface="Helvetica Neue" panose="02000503000000020004" pitchFamily="2" charset="0"/>
+              </a:rPr>
+              <a:t> │   ├── malign</a:t>
+            </a:r>
+          </a:p>
+          <a:p>
+            <a:r>
+              <a:rPr lang="en" altLang="ko-KR" sz="1600" dirty="0">
+                <a:latin typeface="Helvetica Neue" panose="02000503000000020004" pitchFamily="2" charset="0"/>
+              </a:rPr>
+              <a:t> │   │   ├── 00001</a:t>
+            </a:r>
+          </a:p>
+          <a:p>
+            <a:r>
+              <a:rPr lang="en" altLang="ko-KR" sz="1600" dirty="0">
+                <a:latin typeface="Helvetica Neue" panose="02000503000000020004" pitchFamily="2" charset="0"/>
+              </a:rPr>
+              <a:t> │   │   │       ├── </a:t>
+            </a:r>
+            <a:r>
+              <a:rPr lang="en" altLang="ko-KR" sz="1600" dirty="0" err="1">
+                <a:latin typeface="Helvetica Neue" panose="02000503000000020004" pitchFamily="2" charset="0"/>
+              </a:rPr>
+              <a:t>mammo.npz</a:t>
+            </a:r>
+            <a:endParaRPr lang="en" altLang="ko-KR" sz="1600" dirty="0">
+              <a:latin typeface="Helvetica Neue" panose="02000503000000020004" pitchFamily="2" charset="0"/>
+            </a:endParaRPr>
+          </a:p>
+          <a:p>
+            <a:r>
+              <a:rPr lang="en" altLang="ko-KR" sz="1600" dirty="0">
+                <a:latin typeface="Helvetica Neue" panose="02000503000000020004" pitchFamily="2" charset="0"/>
+              </a:rPr>
+              <a:t> │   │   ├── 00002</a:t>
+            </a:r>
+          </a:p>
+          <a:p>
+            <a:r>
+              <a:rPr lang="en" altLang="ko-KR" sz="1600" dirty="0">
+                <a:latin typeface="Helvetica Neue" panose="02000503000000020004" pitchFamily="2" charset="0"/>
+              </a:rPr>
+              <a:t> │   │   │     ├── </a:t>
+            </a:r>
+            <a:r>
+              <a:rPr lang="en" altLang="ko-KR" sz="1600" dirty="0" err="1">
+                <a:latin typeface="Helvetica Neue" panose="02000503000000020004" pitchFamily="2" charset="0"/>
+              </a:rPr>
+              <a:t>mammo.npz</a:t>
+            </a:r>
+            <a:endParaRPr lang="en" altLang="ko-KR" sz="1600" dirty="0">
+              <a:latin typeface="Helvetica Neue" panose="02000503000000020004" pitchFamily="2" charset="0"/>
+            </a:endParaRPr>
+          </a:p>
+          <a:p>
+            <a:r>
+              <a:rPr lang="en" altLang="ko-KR" sz="1600" dirty="0">
+                <a:latin typeface="Helvetica Neue" panose="02000503000000020004" pitchFamily="2" charset="0"/>
+              </a:rPr>
+              <a:t> │   │   ├── 00003</a:t>
+            </a:r>
+          </a:p>
+          <a:p>
+            <a:r>
+              <a:rPr lang="en" altLang="ko-KR" sz="1600" dirty="0">
+                <a:latin typeface="Helvetica Neue" panose="02000503000000020004" pitchFamily="2" charset="0"/>
+              </a:rPr>
+              <a:t> │   │   │     ├── </a:t>
+            </a:r>
+            <a:r>
+              <a:rPr lang="en" altLang="ko-KR" sz="1600" dirty="0" err="1">
+                <a:latin typeface="Helvetica Neue" panose="02000503000000020004" pitchFamily="2" charset="0"/>
+              </a:rPr>
+              <a:t>mammo.npz</a:t>
+            </a:r>
+            <a:endParaRPr lang="en" altLang="ko-KR" sz="1600" dirty="0">
+              <a:latin typeface="Helvetica Neue" panose="02000503000000020004" pitchFamily="2" charset="0"/>
+            </a:endParaRPr>
+          </a:p>
+          <a:p>
+            <a:r>
+              <a:rPr lang="en" altLang="ko-KR" sz="1600" dirty="0">
+                <a:latin typeface="Helvetica Neue" panose="02000503000000020004" pitchFamily="2" charset="0"/>
+              </a:rPr>
+              <a:t>…</a:t>
+            </a:r>
+          </a:p>
+          <a:p>
+            <a:r>
+              <a:rPr lang="en" altLang="ko-KR" sz="1600" dirty="0">
+                <a:latin typeface="Helvetica Neue" panose="02000503000000020004" pitchFamily="2" charset="0"/>
+              </a:rPr>
+              <a:t> │   ├── benign</a:t>
+            </a:r>
+          </a:p>
+          <a:p>
+            <a:r>
+              <a:rPr lang="en" altLang="ko-KR" sz="1600" dirty="0">
+                <a:latin typeface="Helvetica Neue" panose="02000503000000020004" pitchFamily="2" charset="0"/>
+              </a:rPr>
+              <a:t> │   │   ├── 10001</a:t>
+            </a:r>
+          </a:p>
+          <a:p>
+            <a:r>
+              <a:rPr lang="en" altLang="ko-KR" sz="1600" dirty="0">
+                <a:latin typeface="Helvetica Neue" panose="02000503000000020004" pitchFamily="2" charset="0"/>
+              </a:rPr>
+              <a:t> │   │   │       ├── </a:t>
+            </a:r>
+            <a:r>
+              <a:rPr lang="en" altLang="ko-KR" sz="1600" dirty="0" err="1">
+                <a:latin typeface="Helvetica Neue" panose="02000503000000020004" pitchFamily="2" charset="0"/>
+              </a:rPr>
+              <a:t>mammo.npz</a:t>
+            </a:r>
+            <a:endParaRPr lang="en" altLang="ko-KR" sz="1600" dirty="0">
+              <a:latin typeface="Helvetica Neue" panose="02000503000000020004" pitchFamily="2" charset="0"/>
+            </a:endParaRPr>
+          </a:p>
+          <a:p>
+            <a:r>
+              <a:rPr lang="en" altLang="ko-KR" sz="1600" dirty="0">
+                <a:latin typeface="Helvetica Neue" panose="02000503000000020004" pitchFamily="2" charset="0"/>
+              </a:rPr>
+              <a:t>…</a:t>
+            </a:r>
+          </a:p>
+          <a:p>
+            <a:r>
+              <a:rPr lang="en" altLang="ko-KR" sz="1600" dirty="0">
+                <a:latin typeface="Helvetica Neue" panose="02000503000000020004" pitchFamily="2" charset="0"/>
+              </a:rPr>
+              <a:t> │   ├── normal</a:t>
+            </a:r>
+          </a:p>
+          <a:p>
+            <a:r>
+              <a:rPr lang="en" altLang="ko-KR" sz="1600" dirty="0">
+                <a:latin typeface="Helvetica Neue" panose="02000503000000020004" pitchFamily="2" charset="0"/>
+              </a:rPr>
+              <a:t> │   │   ├──  20001</a:t>
+            </a:r>
+          </a:p>
+          <a:p>
+            <a:r>
+              <a:rPr lang="en" altLang="ko-KR" sz="1600" dirty="0">
+                <a:latin typeface="Helvetica Neue" panose="02000503000000020004" pitchFamily="2" charset="0"/>
+              </a:rPr>
+              <a:t> │   │   │       ├── </a:t>
+            </a:r>
+            <a:r>
+              <a:rPr lang="en" altLang="ko-KR" sz="1600" dirty="0" err="1">
+                <a:latin typeface="Helvetica Neue" panose="02000503000000020004" pitchFamily="2" charset="0"/>
+              </a:rPr>
+              <a:t>mammo.npz</a:t>
+            </a:r>
+            <a:endParaRPr lang="en" altLang="ko-KR" sz="1600" dirty="0">
+              <a:latin typeface="Helvetica Neue" panose="02000503000000020004" pitchFamily="2" charset="0"/>
+            </a:endParaRPr>
+          </a:p>
+          <a:p>
+            <a:r>
+              <a:rPr lang="en" altLang="ko-KR" sz="1600" dirty="0">
+                <a:latin typeface="Helvetica Neue" panose="02000503000000020004" pitchFamily="2" charset="0"/>
+              </a:rPr>
+              <a:t>…</a:t>
+            </a:r>
+          </a:p>
+          <a:p>
+            <a:r>
+              <a:rPr lang="en" altLang="ko-KR" sz="1600" dirty="0">
+                <a:latin typeface="Helvetica Neue" panose="02000503000000020004" pitchFamily="2" charset="0"/>
+              </a:rPr>
+              <a:t>├──test</a:t>
+            </a:r>
+          </a:p>
+          <a:p>
+            <a:r>
+              <a:rPr lang="en" altLang="ko-KR" sz="1600" dirty="0">
+                <a:latin typeface="Helvetica Neue" panose="02000503000000020004" pitchFamily="2" charset="0"/>
+              </a:rPr>
+              <a:t>│   ├── malign</a:t>
+            </a:r>
+          </a:p>
+          <a:p>
+            <a:r>
+              <a:rPr lang="en" altLang="ko-KR" sz="1600" dirty="0">
+                <a:latin typeface="Helvetica Neue" panose="02000503000000020004" pitchFamily="2" charset="0"/>
+              </a:rPr>
+              <a:t>│   ├── benign</a:t>
+            </a:r>
+          </a:p>
+          <a:p>
+            <a:r>
+              <a:rPr lang="en" altLang="ko-KR" sz="1600" dirty="0">
+                <a:latin typeface="Helvetica Neue" panose="02000503000000020004" pitchFamily="2" charset="0"/>
+              </a:rPr>
+              <a:t>│   ├── normal</a:t>
+            </a:r>
+            <a:endParaRPr lang="en" altLang="ko-KR" sz="1600" dirty="0">
+              <a:effectLst/>
+              <a:latin typeface="Helvetica Neue" panose="02000503000000020004" pitchFamily="2" charset="0"/>
+            </a:endParaRPr>
+          </a:p>
+        </p:txBody>
+      </p:sp>
     </p:spTree>
     <p:extLst>
       <p:ext uri="{BB962C8B-B14F-4D97-AF65-F5344CB8AC3E}">

--- a/introduction.pptx
+++ b/introduction.pptx
@@ -3170,52 +3170,60 @@
             <a:endParaRPr lang="en" altLang="ko-KR" dirty="0"/>
           </a:p>
           <a:p>
-            <a:r>
-              <a:rPr lang="ko-KR" altLang="en-US" dirty="0"/>
-              <a:t>데이터 규모</a:t>
-            </a:r>
-            <a:endParaRPr lang="en" altLang="ko-KR" dirty="0"/>
-          </a:p>
-          <a:p>
             <a:pPr lvl="1"/>
             <a:r>
-              <a:rPr lang="ko-KR" altLang="en-US" dirty="0"/>
-              <a:t>학습용 데이터 </a:t>
-            </a:r>
-            <a:r>
-              <a:rPr lang="en-US" altLang="ko-KR" dirty="0"/>
-              <a:t>(</a:t>
-            </a:r>
-            <a:r>
-              <a:rPr lang="en" altLang="ko-KR" dirty="0"/>
-              <a:t>train)</a:t>
-            </a:r>
+              <a:rPr kumimoji="1" lang="en-US" altLang="ko-KR" dirty="0"/>
+              <a:t>4</a:t>
+            </a:r>
+            <a:r>
+              <a:rPr kumimoji="1" lang="ko-KR" altLang="en-US" dirty="0"/>
+              <a:t>장의 이미지를 하나의 파일로 구성</a:t>
+            </a:r>
+            <a:endParaRPr kumimoji="1" lang="en-US" altLang="ko-KR" dirty="0"/>
           </a:p>
           <a:p>
             <a:pPr lvl="2"/>
             <a:r>
-              <a:rPr lang="ko-KR" altLang="en-US" dirty="0"/>
-              <a:t>악성 </a:t>
-            </a:r>
-            <a:r>
-              <a:rPr lang="en-US" altLang="ko-KR" dirty="0"/>
-              <a:t>(</a:t>
-            </a:r>
-            <a:r>
-              <a:rPr lang="en" altLang="ko-KR" dirty="0"/>
-              <a:t>malignant)</a:t>
-            </a:r>
-            <a:r>
-              <a:rPr lang="en-US" altLang="ko-KR" dirty="0"/>
-              <a:t>:</a:t>
-            </a:r>
-            <a:r>
-              <a:rPr lang="en" altLang="ko-KR" dirty="0"/>
-              <a:t> 500</a:t>
-            </a:r>
-            <a:r>
-              <a:rPr lang="ko-KR" altLang="en-US" dirty="0" err="1"/>
-              <a:t>례</a:t>
+              <a:rPr kumimoji="1" lang="ko-KR" altLang="en-US" dirty="0"/>
+              <a:t>원본의 약 </a:t>
+            </a:r>
+            <a:r>
+              <a:rPr kumimoji="1" lang="en-US" altLang="ko-KR" dirty="0"/>
+              <a:t>10% </a:t>
+            </a:r>
+            <a:r>
+              <a:rPr kumimoji="1" lang="ko-KR" altLang="en-US" dirty="0"/>
+              <a:t>사이즈 </a:t>
+            </a:r>
+          </a:p>
+          <a:p>
+            <a:pPr lvl="1"/>
+            <a:r>
+              <a:rPr kumimoji="1" lang="en-US" altLang="ko-KR" dirty="0"/>
+              <a:t>compressed </a:t>
+            </a:r>
+            <a:r>
+              <a:rPr kumimoji="1" lang="en-US" altLang="ko-KR" dirty="0" err="1"/>
+              <a:t>numpy</a:t>
+            </a:r>
+            <a:r>
+              <a:rPr kumimoji="1" lang="en-US" altLang="ko-KR" dirty="0"/>
+              <a:t> (.</a:t>
+            </a:r>
+            <a:r>
+              <a:rPr kumimoji="1" lang="en-US" altLang="ko-KR" dirty="0" err="1"/>
+              <a:t>npz</a:t>
+            </a:r>
+            <a:r>
+              <a:rPr kumimoji="1" lang="en-US" altLang="ko-KR" dirty="0"/>
+              <a:t>)</a:t>
+            </a:r>
+          </a:p>
+          <a:p>
+            <a:pPr lvl="1"/>
+            <a:r>
+              <a:rPr kumimoji="1" lang="en-US" altLang="ko-KR" dirty="0"/>
+              <a:t>Shape: (4,</a:t>
             </a:r>
             <a:r>
               <a:rPr lang="ko-KR" altLang="en-US" dirty="0"/>
@@ -3223,178 +3231,35 @@
             </a:r>
             <a:r>
               <a:rPr lang="en-US" altLang="ko-KR" dirty="0"/>
-              <a:t>(25%) </a:t>
+              <a:t>410, 333) </a:t>
             </a:r>
           </a:p>
           <a:p>
             <a:pPr lvl="2"/>
             <a:r>
-              <a:rPr lang="ko-KR" altLang="en-US" dirty="0"/>
-              <a:t>양성 </a:t>
-            </a:r>
-            <a:r>
               <a:rPr lang="en-US" altLang="ko-KR" dirty="0"/>
-              <a:t>(</a:t>
-            </a:r>
-            <a:r>
-              <a:rPr lang="en" altLang="ko-KR" dirty="0"/>
-              <a:t>benign): 500</a:t>
-            </a:r>
-            <a:r>
-              <a:rPr lang="ko-KR" altLang="en-US" dirty="0" err="1"/>
-              <a:t>례</a:t>
-            </a:r>
-            <a:r>
-              <a:rPr lang="ko-KR" altLang="en-US" dirty="0"/>
-              <a:t> </a:t>
-            </a:r>
-            <a:r>
-              <a:rPr lang="en-US" altLang="ko-KR" dirty="0"/>
-              <a:t>(25%) </a:t>
-            </a:r>
-          </a:p>
-          <a:p>
-            <a:pPr lvl="2"/>
-            <a:r>
-              <a:rPr lang="ko-KR" altLang="en-US" dirty="0"/>
-              <a:t>정상</a:t>
-            </a:r>
-            <a:r>
-              <a:rPr lang="en-US" altLang="ko-KR" dirty="0"/>
-              <a:t> (normal):</a:t>
-            </a:r>
-            <a:r>
-              <a:rPr lang="ko-KR" altLang="en-US" dirty="0"/>
-              <a:t> </a:t>
-            </a:r>
-            <a:r>
-              <a:rPr lang="en-US" altLang="ko-KR" dirty="0"/>
-              <a:t>1,000</a:t>
-            </a:r>
-            <a:r>
-              <a:rPr lang="ko-KR" altLang="en-US" dirty="0" err="1"/>
-              <a:t>례</a:t>
-            </a:r>
-            <a:r>
-              <a:rPr lang="ko-KR" altLang="en-US" dirty="0"/>
-              <a:t> </a:t>
-            </a:r>
-            <a:r>
-              <a:rPr lang="en-US" altLang="ko-KR" dirty="0"/>
-              <a:t>(50%)</a:t>
+              <a:t>#View, #Row, #Column</a:t>
             </a:r>
           </a:p>
           <a:p>
             <a:pPr lvl="1"/>
             <a:r>
-              <a:rPr lang="ko-KR" altLang="en-US" dirty="0" err="1"/>
-              <a:t>검증용</a:t>
-            </a:r>
-            <a:r>
-              <a:rPr lang="ko-KR" altLang="en-US" dirty="0"/>
-              <a:t> 데이터 </a:t>
-            </a:r>
-            <a:r>
-              <a:rPr lang="en-US" altLang="ko-KR" dirty="0"/>
-              <a:t>(</a:t>
-            </a:r>
-            <a:r>
-              <a:rPr lang="en" altLang="ko-KR" dirty="0"/>
-              <a:t>test)</a:t>
-            </a:r>
-          </a:p>
-          <a:p>
-            <a:pPr lvl="2"/>
-            <a:r>
-              <a:rPr lang="ko-KR" altLang="en-US" dirty="0"/>
-              <a:t>악성 </a:t>
-            </a:r>
-            <a:r>
-              <a:rPr lang="en-US" altLang="ko-KR" dirty="0"/>
-              <a:t>(</a:t>
-            </a:r>
-            <a:r>
-              <a:rPr lang="en" altLang="ko-KR" dirty="0"/>
-              <a:t>malignant)</a:t>
-            </a:r>
-            <a:r>
-              <a:rPr lang="en-US" altLang="ko-KR" dirty="0"/>
-              <a:t>:</a:t>
-            </a:r>
-            <a:r>
-              <a:rPr lang="en" altLang="ko-KR" dirty="0"/>
-              <a:t> 50</a:t>
-            </a:r>
-            <a:r>
-              <a:rPr lang="ko-KR" altLang="en-US" dirty="0" err="1"/>
-              <a:t>례</a:t>
-            </a:r>
-            <a:r>
-              <a:rPr lang="ko-KR" altLang="en-US" dirty="0"/>
-              <a:t> </a:t>
-            </a:r>
-            <a:r>
-              <a:rPr lang="en-US" altLang="ko-KR" dirty="0"/>
-              <a:t>(25%) </a:t>
-            </a:r>
-          </a:p>
-          <a:p>
-            <a:pPr lvl="2"/>
-            <a:r>
-              <a:rPr lang="ko-KR" altLang="en-US" dirty="0"/>
-              <a:t>양성 </a:t>
-            </a:r>
-            <a:r>
-              <a:rPr lang="en-US" altLang="ko-KR" dirty="0"/>
-              <a:t>(</a:t>
-            </a:r>
-            <a:r>
-              <a:rPr lang="en" altLang="ko-KR" dirty="0"/>
-              <a:t>benign): 50</a:t>
-            </a:r>
-            <a:r>
-              <a:rPr lang="ko-KR" altLang="en-US" dirty="0" err="1"/>
-              <a:t>례</a:t>
-            </a:r>
-            <a:r>
-              <a:rPr lang="ko-KR" altLang="en-US" dirty="0"/>
-              <a:t> </a:t>
-            </a:r>
-            <a:r>
-              <a:rPr lang="en-US" altLang="ko-KR" dirty="0"/>
-              <a:t>(25%) </a:t>
-            </a:r>
-          </a:p>
-          <a:p>
-            <a:pPr lvl="2"/>
-            <a:r>
-              <a:rPr lang="ko-KR" altLang="en-US" dirty="0"/>
-              <a:t>정상</a:t>
-            </a:r>
-            <a:r>
-              <a:rPr lang="en-US" altLang="ko-KR" dirty="0"/>
-              <a:t> (normal):</a:t>
-            </a:r>
-            <a:r>
-              <a:rPr lang="ko-KR" altLang="en-US" dirty="0"/>
-              <a:t> </a:t>
-            </a:r>
-            <a:r>
-              <a:rPr lang="en-US" altLang="ko-KR" dirty="0"/>
-              <a:t>100</a:t>
-            </a:r>
-            <a:r>
-              <a:rPr lang="ko-KR" altLang="en-US" dirty="0" err="1"/>
-              <a:t>례</a:t>
-            </a:r>
-            <a:r>
-              <a:rPr lang="ko-KR" altLang="en-US" dirty="0"/>
-              <a:t> </a:t>
-            </a:r>
-            <a:r>
-              <a:rPr lang="en-US" altLang="ko-KR" dirty="0"/>
-              <a:t>(50%)</a:t>
-            </a:r>
+              <a:rPr kumimoji="1" lang="ko-KR" altLang="en-US" dirty="0"/>
+              <a:t>순서</a:t>
+            </a:r>
+            <a:r>
+              <a:rPr kumimoji="1" lang="en-US" altLang="ko-KR" dirty="0"/>
+              <a:t>: LMLO/RMLO/LCC/RCC</a:t>
+            </a:r>
+          </a:p>
+          <a:p>
+            <a:endParaRPr lang="en-US" altLang="ko-KR" dirty="0"/>
+          </a:p>
+          <a:p>
+            <a:endParaRPr lang="en-US" altLang="ko-KR" dirty="0"/>
+          </a:p>
+          <a:p>
+            <a:endParaRPr lang="en-US" altLang="ko-KR" dirty="0"/>
           </a:p>
           <a:p>
             <a:pPr lvl="2"/>
@@ -3448,7 +3313,7 @@
         </p:nvGrpSpPr>
         <p:grpSpPr>
           <a:xfrm>
-            <a:off x="5058056" y="2731849"/>
+            <a:off x="5097811" y="3026569"/>
             <a:ext cx="3624769" cy="3292475"/>
             <a:chOff x="5098742" y="3246437"/>
             <a:chExt cx="3624769" cy="3292475"/>
@@ -3712,82 +3577,254 @@
           <a:p>
             <a:r>
               <a:rPr lang="ko-KR" altLang="en-US" dirty="0"/>
-              <a:t>데이터 경로</a:t>
-            </a:r>
-            <a:endParaRPr lang="en-US" altLang="ko-KR" dirty="0"/>
+              <a:t>데이터 규모</a:t>
+            </a:r>
+            <a:endParaRPr lang="en" altLang="ko-KR" dirty="0"/>
           </a:p>
           <a:p>
             <a:pPr lvl="1"/>
             <a:r>
+              <a:rPr lang="ko-KR" altLang="en-US" dirty="0"/>
+              <a:t>학습용 데이터 </a:t>
+            </a:r>
+            <a:r>
+              <a:rPr lang="en-US" altLang="ko-KR" dirty="0"/>
+              <a:t>(</a:t>
+            </a:r>
+            <a:r>
+              <a:rPr lang="en" altLang="ko-KR" dirty="0"/>
+              <a:t>train)</a:t>
+            </a:r>
+          </a:p>
+          <a:p>
+            <a:pPr lvl="2"/>
+            <a:r>
+              <a:rPr lang="ko-KR" altLang="en-US" dirty="0"/>
+              <a:t>악성 </a:t>
+            </a:r>
+            <a:r>
+              <a:rPr lang="en-US" altLang="ko-KR" dirty="0"/>
+              <a:t>(</a:t>
+            </a:r>
+            <a:r>
+              <a:rPr lang="en" altLang="ko-KR" dirty="0"/>
+              <a:t>malignant)</a:t>
+            </a:r>
+            <a:r>
+              <a:rPr lang="en-US" altLang="ko-KR" dirty="0"/>
+              <a:t>:</a:t>
+            </a:r>
+            <a:r>
+              <a:rPr lang="en" altLang="ko-KR" dirty="0"/>
+              <a:t> 500</a:t>
+            </a:r>
+            <a:r>
+              <a:rPr lang="ko-KR" altLang="en-US" dirty="0" err="1"/>
+              <a:t>례</a:t>
+            </a:r>
+            <a:r>
+              <a:rPr lang="ko-KR" altLang="en-US" dirty="0"/>
+              <a:t> </a:t>
+            </a:r>
+            <a:r>
+              <a:rPr lang="en-US" altLang="ko-KR" dirty="0"/>
+              <a:t>(25%) </a:t>
+            </a:r>
+          </a:p>
+          <a:p>
+            <a:pPr lvl="2"/>
+            <a:r>
+              <a:rPr lang="ko-KR" altLang="en-US" dirty="0"/>
+              <a:t>양성 </a:t>
+            </a:r>
+            <a:r>
+              <a:rPr lang="en-US" altLang="ko-KR" dirty="0"/>
+              <a:t>(</a:t>
+            </a:r>
+            <a:r>
+              <a:rPr lang="en" altLang="ko-KR" dirty="0"/>
+              <a:t>benign): 500</a:t>
+            </a:r>
+            <a:r>
+              <a:rPr lang="ko-KR" altLang="en-US" dirty="0" err="1"/>
+              <a:t>례</a:t>
+            </a:r>
+            <a:r>
+              <a:rPr lang="ko-KR" altLang="en-US" dirty="0"/>
+              <a:t> </a:t>
+            </a:r>
+            <a:r>
+              <a:rPr lang="en-US" altLang="ko-KR" dirty="0"/>
+              <a:t>(25%) </a:t>
+            </a:r>
+          </a:p>
+          <a:p>
+            <a:pPr lvl="2"/>
+            <a:r>
+              <a:rPr lang="ko-KR" altLang="en-US" dirty="0"/>
+              <a:t>정상</a:t>
+            </a:r>
+            <a:r>
+              <a:rPr lang="en-US" altLang="ko-KR" dirty="0"/>
+              <a:t> (normal):</a:t>
+            </a:r>
+            <a:r>
+              <a:rPr lang="ko-KR" altLang="en-US" dirty="0"/>
+              <a:t> </a:t>
+            </a:r>
+            <a:r>
+              <a:rPr lang="en-US" altLang="ko-KR" dirty="0"/>
+              <a:t>1,000</a:t>
+            </a:r>
+            <a:r>
+              <a:rPr lang="ko-KR" altLang="en-US" dirty="0" err="1"/>
+              <a:t>례</a:t>
+            </a:r>
+            <a:r>
+              <a:rPr lang="ko-KR" altLang="en-US" dirty="0"/>
+              <a:t> </a:t>
+            </a:r>
+            <a:r>
+              <a:rPr lang="en-US" altLang="ko-KR" dirty="0"/>
+              <a:t>(50%)</a:t>
+            </a:r>
+          </a:p>
+          <a:p>
+            <a:pPr lvl="1"/>
+            <a:r>
+              <a:rPr lang="ko-KR" altLang="en-US" dirty="0" err="1"/>
+              <a:t>검증용</a:t>
+            </a:r>
+            <a:r>
+              <a:rPr lang="ko-KR" altLang="en-US" dirty="0"/>
+              <a:t> 데이터 </a:t>
+            </a:r>
+            <a:r>
+              <a:rPr lang="en-US" altLang="ko-KR" dirty="0"/>
+              <a:t>(</a:t>
+            </a:r>
+            <a:r>
+              <a:rPr lang="en" altLang="ko-KR" dirty="0"/>
+              <a:t>test)</a:t>
+            </a:r>
+          </a:p>
+          <a:p>
+            <a:pPr lvl="2"/>
+            <a:r>
+              <a:rPr lang="ko-KR" altLang="en-US" dirty="0"/>
+              <a:t>악성 </a:t>
+            </a:r>
+            <a:r>
+              <a:rPr lang="en-US" altLang="ko-KR" dirty="0"/>
+              <a:t>(</a:t>
+            </a:r>
+            <a:r>
+              <a:rPr lang="en" altLang="ko-KR" dirty="0"/>
+              <a:t>malignant)</a:t>
+            </a:r>
+            <a:r>
+              <a:rPr lang="en-US" altLang="ko-KR" dirty="0"/>
+              <a:t>:</a:t>
+            </a:r>
+            <a:r>
+              <a:rPr lang="en" altLang="ko-KR" dirty="0"/>
+              <a:t> 50</a:t>
+            </a:r>
+            <a:r>
+              <a:rPr lang="ko-KR" altLang="en-US" dirty="0" err="1"/>
+              <a:t>례</a:t>
+            </a:r>
+            <a:r>
+              <a:rPr lang="ko-KR" altLang="en-US" dirty="0"/>
+              <a:t> </a:t>
+            </a:r>
+            <a:r>
+              <a:rPr lang="en-US" altLang="ko-KR" dirty="0"/>
+              <a:t>(25%) </a:t>
+            </a:r>
+          </a:p>
+          <a:p>
+            <a:pPr lvl="2"/>
+            <a:r>
+              <a:rPr lang="ko-KR" altLang="en-US" dirty="0"/>
+              <a:t>양성 </a:t>
+            </a:r>
+            <a:r>
+              <a:rPr lang="en-US" altLang="ko-KR" dirty="0"/>
+              <a:t>(</a:t>
+            </a:r>
+            <a:r>
+              <a:rPr lang="en" altLang="ko-KR" dirty="0"/>
+              <a:t>benign): 50</a:t>
+            </a:r>
+            <a:r>
+              <a:rPr lang="ko-KR" altLang="en-US" dirty="0" err="1"/>
+              <a:t>례</a:t>
+            </a:r>
+            <a:r>
+              <a:rPr lang="ko-KR" altLang="en-US" dirty="0"/>
+              <a:t> </a:t>
+            </a:r>
+            <a:r>
+              <a:rPr lang="en-US" altLang="ko-KR" dirty="0"/>
+              <a:t>(25%) </a:t>
+            </a:r>
+          </a:p>
+          <a:p>
+            <a:pPr lvl="2"/>
+            <a:r>
+              <a:rPr lang="ko-KR" altLang="en-US" dirty="0"/>
+              <a:t>정상</a:t>
+            </a:r>
+            <a:r>
+              <a:rPr lang="en-US" altLang="ko-KR" dirty="0"/>
+              <a:t> (normal):</a:t>
+            </a:r>
+            <a:r>
+              <a:rPr lang="ko-KR" altLang="en-US" dirty="0"/>
+              <a:t> </a:t>
+            </a:r>
+            <a:r>
+              <a:rPr lang="en-US" altLang="ko-KR" dirty="0"/>
+              <a:t>100</a:t>
+            </a:r>
+            <a:r>
+              <a:rPr lang="ko-KR" altLang="en-US" dirty="0" err="1"/>
+              <a:t>례</a:t>
+            </a:r>
+            <a:r>
+              <a:rPr lang="ko-KR" altLang="en-US" dirty="0"/>
+              <a:t> </a:t>
+            </a:r>
+            <a:r>
+              <a:rPr lang="en-US" altLang="ko-KR" dirty="0"/>
+              <a:t>(50%)</a:t>
+            </a:r>
+          </a:p>
+          <a:p>
+            <a:r>
+              <a:rPr kumimoji="1" lang="ko-KR" altLang="en-US" dirty="0"/>
+              <a:t>데이터 구조</a:t>
+            </a:r>
+            <a:endParaRPr kumimoji="1" lang="en-US" altLang="ko-KR" dirty="0"/>
+          </a:p>
+          <a:p>
+            <a:pPr lvl="1"/>
+            <a:r>
               <a:rPr kumimoji="1" lang="en-US" altLang="ko-KR" dirty="0"/>
-              <a:t>4</a:t>
-            </a:r>
-            <a:r>
-              <a:rPr kumimoji="1" lang="ko-KR" altLang="en-US" dirty="0"/>
-              <a:t>장의 이미지를 하나의 파일로 구성</a:t>
-            </a:r>
-          </a:p>
-          <a:p>
-            <a:pPr lvl="1"/>
+              <a:t>Train/test</a:t>
+            </a:r>
+          </a:p>
+          <a:p>
+            <a:pPr lvl="2"/>
+            <a:r>
+              <a:rPr lang="en" altLang="ko-KR" dirty="0"/>
+              <a:t>Malignant</a:t>
+            </a:r>
             <a:r>
               <a:rPr kumimoji="1" lang="en-US" altLang="ko-KR" dirty="0"/>
-              <a:t>compressed </a:t>
-            </a:r>
-            <a:r>
-              <a:rPr kumimoji="1" lang="en-US" altLang="ko-KR" dirty="0" err="1"/>
-              <a:t>numpy</a:t>
-            </a:r>
-            <a:r>
-              <a:rPr kumimoji="1" lang="en-US" altLang="ko-KR" dirty="0"/>
-              <a:t> (.</a:t>
-            </a:r>
-            <a:r>
-              <a:rPr kumimoji="1" lang="en-US" altLang="ko-KR" dirty="0" err="1"/>
-              <a:t>npz</a:t>
-            </a:r>
-            <a:r>
-              <a:rPr kumimoji="1" lang="en-US" altLang="ko-KR" dirty="0"/>
-              <a:t>)</a:t>
-            </a:r>
-          </a:p>
-          <a:p>
-            <a:pPr lvl="1"/>
-            <a:r>
-              <a:rPr kumimoji="1" lang="ko-KR" altLang="en-US" dirty="0"/>
-              <a:t>원본의 약 </a:t>
-            </a:r>
-            <a:r>
-              <a:rPr kumimoji="1" lang="en-US" altLang="ko-KR" dirty="0"/>
-              <a:t>10% </a:t>
-            </a:r>
-            <a:r>
-              <a:rPr kumimoji="1" lang="ko-KR" altLang="en-US" dirty="0"/>
-              <a:t>사이즈 </a:t>
-            </a:r>
-          </a:p>
-          <a:p>
-            <a:pPr lvl="1"/>
-            <a:r>
-              <a:rPr kumimoji="1" lang="en-US" altLang="ko-KR" dirty="0"/>
-              <a:t>Shape: (4,1,width,height)</a:t>
-            </a:r>
-          </a:p>
-          <a:p>
-            <a:pPr lvl="1"/>
-            <a:r>
-              <a:rPr kumimoji="1" lang="ko-KR" altLang="en-US" dirty="0"/>
-              <a:t>순서</a:t>
-            </a:r>
-            <a:r>
-              <a:rPr kumimoji="1" lang="en-US" altLang="ko-KR" dirty="0"/>
-              <a:t>: LMLO/RMLO/RCC/LCC</a:t>
-            </a:r>
-          </a:p>
-          <a:p>
-            <a:endParaRPr kumimoji="1" lang="en-US" altLang="ko-KR" dirty="0"/>
-          </a:p>
-          <a:p>
-            <a:endParaRPr kumimoji="1" lang="en-US" altLang="ko-KR" dirty="0"/>
+              <a:t>/benign/normal</a:t>
+            </a:r>
           </a:p>
           <a:p>
             <a:pPr lvl="1"/>
@@ -3822,7 +3859,12 @@
             <p:ph type="title"/>
           </p:nvPr>
         </p:nvSpPr>
-        <p:spPr/>
+        <p:spPr>
+          <a:xfrm>
+            <a:off x="461175" y="103863"/>
+            <a:ext cx="8261405" cy="959825"/>
+          </a:xfrm>
+        </p:spPr>
         <p:txBody>
           <a:bodyPr/>
           <a:lstStyle/>
@@ -3849,12 +3891,17 @@
         </p:nvSpPr>
         <p:spPr>
           <a:xfrm>
-            <a:off x="5478470" y="1275933"/>
+            <a:off x="5309730" y="1138300"/>
             <a:ext cx="3665530" cy="5262979"/>
           </a:xfrm>
           <a:prstGeom prst="rect">
             <a:avLst/>
           </a:prstGeom>
+          <a:ln>
+            <a:solidFill>
+              <a:schemeClr val="tx1"/>
+            </a:solidFill>
+          </a:ln>
         </p:spPr>
         <p:txBody>
           <a:bodyPr wrap="square">
@@ -4077,6 +4124,41 @@
               <a:effectLst/>
               <a:latin typeface="Helvetica Neue" panose="02000503000000020004" pitchFamily="2" charset="0"/>
             </a:endParaRPr>
+          </a:p>
+        </p:txBody>
+      </p:sp>
+      <p:sp>
+        <p:nvSpPr>
+          <p:cNvPr id="5" name="TextBox 4">
+            <a:extLst>
+              <a:ext uri="{FF2B5EF4-FFF2-40B4-BE49-F238E27FC236}">
+                <a16:creationId xmlns:a16="http://schemas.microsoft.com/office/drawing/2014/main" id="{9FA63052-8671-DE40-8631-42B8A5A077DD}"/>
+              </a:ext>
+            </a:extLst>
+          </p:cNvPr>
+          <p:cNvSpPr txBox="1"/>
+          <p:nvPr/>
+        </p:nvSpPr>
+        <p:spPr>
+          <a:xfrm>
+            <a:off x="6400800" y="6374780"/>
+            <a:ext cx="1189749" cy="369332"/>
+          </a:xfrm>
+          <a:prstGeom prst="rect">
+            <a:avLst/>
+          </a:prstGeom>
+          <a:noFill/>
+        </p:spPr>
+        <p:txBody>
+          <a:bodyPr wrap="none" rtlCol="0">
+            <a:spAutoFit/>
+          </a:bodyPr>
+          <a:lstStyle/>
+          <a:p>
+            <a:r>
+              <a:rPr kumimoji="1" lang="ko-KR" altLang="en-US" dirty="0"/>
+              <a:t>구조 예시</a:t>
+            </a:r>
           </a:p>
         </p:txBody>
       </p:sp>
@@ -6791,7 +6873,11 @@
             </a:r>
             <a:r>
               <a:rPr lang="ko-KR" altLang="en-US" dirty="0"/>
-              <a:t>기반 예제</a:t>
+              <a:t>기반 예제 </a:t>
+            </a:r>
+            <a:r>
+              <a:rPr lang="en-US" altLang="ko-KR" dirty="0"/>
+              <a:t>– KERAS</a:t>
             </a:r>
             <a:endParaRPr kumimoji="1" lang="ko-KR" altLang="en-US" dirty="0"/>
           </a:p>
@@ -7856,8 +7942,8 @@
           </a:p>
         </p:txBody>
       </p:sp>
-      <mc:AlternateContent xmlns:mc="http://schemas.openxmlformats.org/markup-compatibility/2006">
-        <mc:Choice xmlns:a14="http://schemas.microsoft.com/office/drawing/2010/main" Requires="a14">
+      <mc:AlternateContent xmlns:mc="http://schemas.openxmlformats.org/markup-compatibility/2006" xmlns:a14="http://schemas.microsoft.com/office/drawing/2010/main">
+        <mc:Choice Requires="a14">
           <p:sp>
             <p:nvSpPr>
               <p:cNvPr id="3" name="내용 개체 틀 2">
@@ -8233,7 +8319,6 @@
                 <a:endParaRPr kumimoji="1" lang="en-US" altLang="ko-KR" sz="2000" i="1" dirty="0"/>
               </a:p>
               <a:p>
-                <a:pPr/>
                 <a:r>
                   <a:rPr kumimoji="1" lang="ko-KR" altLang="en-US" b="1" dirty="0">
                     <a:solidFill>
@@ -8295,7 +8380,7 @@
             </p:txBody>
           </p:sp>
         </mc:Choice>
-        <mc:Fallback>
+        <mc:Fallback xmlns="">
           <p:sp>
             <p:nvSpPr>
               <p:cNvPr id="3" name="내용 개체 틀 2">
